--- a/Slides/Lecture 2.pptx
+++ b/Slides/Lecture 2.pptx
@@ -5,7 +5,7 @@
     <p:sldMasterId id="2147483648" r:id="rId1"/>
   </p:sldMasterIdLst>
   <p:notesMasterIdLst>
-    <p:notesMasterId r:id="rId44"/>
+    <p:notesMasterId r:id="rId46"/>
   </p:notesMasterIdLst>
   <p:sldIdLst>
     <p:sldId id="256" r:id="rId2"/>
@@ -37,19 +37,21 @@
     <p:sldId id="332" r:id="rId28"/>
     <p:sldId id="333" r:id="rId29"/>
     <p:sldId id="334" r:id="rId30"/>
-    <p:sldId id="335" r:id="rId31"/>
-    <p:sldId id="336" r:id="rId32"/>
-    <p:sldId id="337" r:id="rId33"/>
-    <p:sldId id="338" r:id="rId34"/>
-    <p:sldId id="339" r:id="rId35"/>
-    <p:sldId id="340" r:id="rId36"/>
-    <p:sldId id="341" r:id="rId37"/>
-    <p:sldId id="342" r:id="rId38"/>
-    <p:sldId id="343" r:id="rId39"/>
-    <p:sldId id="344" r:id="rId40"/>
-    <p:sldId id="345" r:id="rId41"/>
-    <p:sldId id="346" r:id="rId42"/>
-    <p:sldId id="347" r:id="rId43"/>
+    <p:sldId id="348" r:id="rId31"/>
+    <p:sldId id="350" r:id="rId32"/>
+    <p:sldId id="335" r:id="rId33"/>
+    <p:sldId id="336" r:id="rId34"/>
+    <p:sldId id="337" r:id="rId35"/>
+    <p:sldId id="338" r:id="rId36"/>
+    <p:sldId id="339" r:id="rId37"/>
+    <p:sldId id="340" r:id="rId38"/>
+    <p:sldId id="341" r:id="rId39"/>
+    <p:sldId id="342" r:id="rId40"/>
+    <p:sldId id="343" r:id="rId41"/>
+    <p:sldId id="344" r:id="rId42"/>
+    <p:sldId id="345" r:id="rId43"/>
+    <p:sldId id="346" r:id="rId44"/>
+    <p:sldId id="347" r:id="rId45"/>
   </p:sldIdLst>
   <p:sldSz cx="12192000" cy="6858000"/>
   <p:notesSz cx="6858000" cy="9144000"/>
@@ -11332,8 +11334,8 @@
           </a:p>
         </p:txBody>
       </p:sp>
-      <mc:AlternateContent xmlns:mc="http://schemas.openxmlformats.org/markup-compatibility/2006">
-        <mc:Choice xmlns:a14="http://schemas.microsoft.com/office/drawing/2010/main" Requires="a14">
+      <mc:AlternateContent xmlns:mc="http://schemas.openxmlformats.org/markup-compatibility/2006" xmlns:a14="http://schemas.microsoft.com/office/drawing/2010/main">
+        <mc:Choice Requires="a14">
           <p:sp>
             <p:nvSpPr>
               <p:cNvPr id="3" name="Content Placeholder 2">
@@ -11753,7 +11755,7 @@
             </p:txBody>
           </p:sp>
         </mc:Choice>
-        <mc:Fallback>
+        <mc:Fallback xmlns="">
           <p:sp>
             <p:nvSpPr>
               <p:cNvPr id="3" name="Content Placeholder 2">
@@ -12447,6 +12449,938 @@
           <p:cNvPr id="2" name="Title 1">
             <a:extLst>
               <a:ext uri="{FF2B5EF4-FFF2-40B4-BE49-F238E27FC236}">
+                <a16:creationId xmlns:a16="http://schemas.microsoft.com/office/drawing/2014/main" id="{CBE66C85-D2F7-448D-A354-D90A50D5D4C0}"/>
+              </a:ext>
+            </a:extLst>
+          </p:cNvPr>
+          <p:cNvSpPr>
+            <a:spLocks noGrp="1"/>
+          </p:cNvSpPr>
+          <p:nvPr>
+            <p:ph type="title"/>
+          </p:nvPr>
+        </p:nvSpPr>
+        <p:spPr/>
+        <p:txBody>
+          <a:bodyPr/>
+          <a:lstStyle/>
+          <a:p>
+            <a:r>
+              <a:rPr lang="en-US" dirty="0">
+                <a:solidFill>
+                  <a:schemeClr val="accent1"/>
+                </a:solidFill>
+              </a:rPr>
+              <a:t>Hypercube</a:t>
+            </a:r>
+          </a:p>
+        </p:txBody>
+      </p:sp>
+      <mc:AlternateContent xmlns:mc="http://schemas.openxmlformats.org/markup-compatibility/2006" xmlns:a14="http://schemas.microsoft.com/office/drawing/2010/main">
+        <mc:Choice Requires="a14">
+          <p:sp>
+            <p:nvSpPr>
+              <p:cNvPr id="3" name="Content Placeholder 2">
+                <a:extLst>
+                  <a:ext uri="{FF2B5EF4-FFF2-40B4-BE49-F238E27FC236}">
+                    <a16:creationId xmlns:a16="http://schemas.microsoft.com/office/drawing/2014/main" id="{561276FD-DF9B-461F-B425-B1BDC9ADE73E}"/>
+                  </a:ext>
+                </a:extLst>
+              </p:cNvPr>
+              <p:cNvSpPr>
+                <a:spLocks noGrp="1"/>
+              </p:cNvSpPr>
+              <p:nvPr>
+                <p:ph idx="1"/>
+              </p:nvPr>
+            </p:nvSpPr>
+            <p:spPr/>
+            <p:txBody>
+              <a:bodyPr>
+                <a:normAutofit fontScale="92500" lnSpcReduction="10000"/>
+              </a:bodyPr>
+              <a:lstStyle/>
+              <a:p>
+                <a:pPr marL="0" indent="0">
+                  <a:buNone/>
+                </a:pPr>
+                <a:r>
+                  <a:rPr lang="en-US" dirty="0">
+                    <a:solidFill>
+                      <a:schemeClr val="accent1"/>
+                    </a:solidFill>
+                  </a:rPr>
+                  <a:t>Suppose a </a:t>
+                </a:r>
+                <a14:m>
+                  <m:oMath xmlns:m="http://schemas.openxmlformats.org/officeDocument/2006/math">
+                    <m:r>
+                      <a:rPr lang="en-US" b="0" i="1" smtClean="0">
+                        <a:latin typeface="Cambria Math" panose="02040503050406030204" pitchFamily="18" charset="0"/>
+                      </a:rPr>
+                      <m:t>𝑑</m:t>
+                    </m:r>
+                  </m:oMath>
+                </a14:m>
+                <a:r>
+                  <a:rPr lang="en-US" dirty="0">
+                    <a:solidFill>
+                      <a:schemeClr val="accent1"/>
+                    </a:solidFill>
+                  </a:rPr>
+                  <a:t>-dimension</a:t>
+                </a:r>
+                <a14:m>
+                  <m:oMath xmlns:m="http://schemas.openxmlformats.org/officeDocument/2006/math">
+                    <m:r>
+                      <a:rPr lang="en-US" i="1">
+                        <a:latin typeface="Cambria Math" panose="02040503050406030204" pitchFamily="18" charset="0"/>
+                      </a:rPr>
+                      <m:t> </m:t>
+                    </m:r>
+                  </m:oMath>
+                </a14:m>
+                <a:r>
+                  <a:rPr lang="en-US" dirty="0">
+                    <a:solidFill>
+                      <a:schemeClr val="accent1"/>
+                    </a:solidFill>
+                  </a:rPr>
+                  <a:t>hypercube of </a:t>
+                </a:r>
+                <a14:m>
+                  <m:oMath xmlns:m="http://schemas.openxmlformats.org/officeDocument/2006/math">
+                    <m:r>
+                      <a:rPr lang="en-US" b="0" i="1" smtClean="0">
+                        <a:solidFill>
+                          <a:schemeClr val="tx1"/>
+                        </a:solidFill>
+                        <a:latin typeface="Cambria Math" panose="02040503050406030204" pitchFamily="18" charset="0"/>
+                      </a:rPr>
+                      <m:t>𝑝</m:t>
+                    </m:r>
+                  </m:oMath>
+                </a14:m>
+                <a:r>
+                  <a:rPr lang="en-US" dirty="0"/>
+                  <a:t> </a:t>
+                </a:r>
+                <a:r>
+                  <a:rPr lang="en-US" dirty="0">
+                    <a:solidFill>
+                      <a:schemeClr val="accent1"/>
+                    </a:solidFill>
+                  </a:rPr>
+                  <a:t>processors. </a:t>
+                </a:r>
+              </a:p>
+              <a:p>
+                <a:pPr marL="0" indent="0">
+                  <a:buNone/>
+                </a:pPr>
+                <a:r>
+                  <a:rPr lang="en-US" b="0" dirty="0">
+                    <a:solidFill>
+                      <a:schemeClr val="tx1"/>
+                    </a:solidFill>
+                  </a:rPr>
+                  <a:t>				</a:t>
+                </a:r>
+                <a14:m>
+                  <m:oMath xmlns:m="http://schemas.openxmlformats.org/officeDocument/2006/math">
+                    <m:r>
+                      <a:rPr lang="en-US" b="0" i="1" smtClean="0">
+                        <a:solidFill>
+                          <a:schemeClr val="tx1"/>
+                        </a:solidFill>
+                        <a:latin typeface="Cambria Math" panose="02040503050406030204" pitchFamily="18" charset="0"/>
+                      </a:rPr>
+                      <m:t>𝑝</m:t>
+                    </m:r>
+                    <m:r>
+                      <a:rPr lang="en-US" b="0" i="1" smtClean="0">
+                        <a:solidFill>
+                          <a:schemeClr val="tx1"/>
+                        </a:solidFill>
+                        <a:latin typeface="Cambria Math" panose="02040503050406030204" pitchFamily="18" charset="0"/>
+                      </a:rPr>
+                      <m:t>=</m:t>
+                    </m:r>
+                    <m:sSup>
+                      <m:sSupPr>
+                        <m:ctrlPr>
+                          <a:rPr lang="en-US" b="0" i="1" smtClean="0">
+                            <a:solidFill>
+                              <a:schemeClr val="tx1"/>
+                            </a:solidFill>
+                            <a:latin typeface="Cambria Math" panose="02040503050406030204" pitchFamily="18" charset="0"/>
+                          </a:rPr>
+                        </m:ctrlPr>
+                      </m:sSupPr>
+                      <m:e>
+                        <m:r>
+                          <a:rPr lang="en-US" b="0" i="1" smtClean="0">
+                            <a:solidFill>
+                              <a:schemeClr val="tx1"/>
+                            </a:solidFill>
+                            <a:latin typeface="Cambria Math" panose="02040503050406030204" pitchFamily="18" charset="0"/>
+                          </a:rPr>
+                          <m:t>2</m:t>
+                        </m:r>
+                      </m:e>
+                      <m:sup>
+                        <m:r>
+                          <a:rPr lang="en-US" b="0" i="1" smtClean="0">
+                            <a:solidFill>
+                              <a:schemeClr val="tx1"/>
+                            </a:solidFill>
+                            <a:latin typeface="Cambria Math" panose="02040503050406030204" pitchFamily="18" charset="0"/>
+                          </a:rPr>
+                          <m:t>𝑑</m:t>
+                        </m:r>
+                      </m:sup>
+                    </m:sSup>
+                  </m:oMath>
+                </a14:m>
+                <a:r>
+                  <a:rPr lang="en-US" dirty="0">
+                    <a:solidFill>
+                      <a:schemeClr val="accent1"/>
+                    </a:solidFill>
+                  </a:rPr>
+                  <a:t>.</a:t>
+                </a:r>
+              </a:p>
+              <a:p>
+                <a:r>
+                  <a:rPr lang="en-US" dirty="0">
+                    <a:solidFill>
+                      <a:schemeClr val="accent1"/>
+                    </a:solidFill>
+                  </a:rPr>
+                  <a:t>The distance between any two processors is given by the number bit positions at which the two differ.</a:t>
+                </a:r>
+              </a:p>
+              <a:p>
+                <a:r>
+                  <a:rPr lang="en-US" dirty="0">
+                    <a:solidFill>
+                      <a:schemeClr val="accent1"/>
+                    </a:solidFill>
+                  </a:rPr>
+                  <a:t>Each processor has </a:t>
+                </a:r>
+                <a14:m>
+                  <m:oMath xmlns:m="http://schemas.openxmlformats.org/officeDocument/2006/math">
+                    <m:func>
+                      <m:funcPr>
+                        <m:ctrlPr>
+                          <a:rPr lang="en-US" b="0" i="1" smtClean="0">
+                            <a:solidFill>
+                              <a:schemeClr val="tx1"/>
+                            </a:solidFill>
+                            <a:latin typeface="Cambria Math" panose="02040503050406030204" pitchFamily="18" charset="0"/>
+                          </a:rPr>
+                        </m:ctrlPr>
+                      </m:funcPr>
+                      <m:fName>
+                        <m:r>
+                          <m:rPr>
+                            <m:sty m:val="p"/>
+                          </m:rPr>
+                          <a:rPr lang="en-US" b="0" i="0" smtClean="0">
+                            <a:solidFill>
+                              <a:schemeClr val="tx1"/>
+                            </a:solidFill>
+                            <a:latin typeface="Cambria Math" panose="02040503050406030204" pitchFamily="18" charset="0"/>
+                          </a:rPr>
+                          <m:t>log</m:t>
+                        </m:r>
+                      </m:fName>
+                      <m:e>
+                        <m:r>
+                          <a:rPr lang="en-US" b="0" i="1" smtClean="0">
+                            <a:solidFill>
+                              <a:schemeClr val="tx1"/>
+                            </a:solidFill>
+                            <a:latin typeface="Cambria Math" panose="02040503050406030204" pitchFamily="18" charset="0"/>
+                          </a:rPr>
+                          <m:t>𝑝</m:t>
+                        </m:r>
+                      </m:e>
+                    </m:func>
+                  </m:oMath>
+                </a14:m>
+                <a:r>
+                  <a:rPr lang="en-US" dirty="0">
+                    <a:solidFill>
+                      <a:schemeClr val="accent1"/>
+                    </a:solidFill>
+                  </a:rPr>
+                  <a:t> neighbors.</a:t>
+                </a:r>
+              </a:p>
+              <a:p>
+                <a:pPr marL="0" indent="0">
+                  <a:buNone/>
+                </a:pPr>
+                <a:r>
+                  <a:rPr lang="en-US" b="1" i="1" u="sng" dirty="0">
+                    <a:solidFill>
+                      <a:srgbClr val="FF0000"/>
+                    </a:solidFill>
+                  </a:rPr>
+                  <a:t>Properties</a:t>
+                </a:r>
+                <a:r>
+                  <a:rPr lang="en-US" b="1" i="1" dirty="0">
+                    <a:solidFill>
+                      <a:srgbClr val="FF0000"/>
+                    </a:solidFill>
+                  </a:rPr>
+                  <a:t>:</a:t>
+                </a:r>
+              </a:p>
+              <a:p>
+                <a:r>
+                  <a:rPr lang="en-US" dirty="0">
+                    <a:solidFill>
+                      <a:schemeClr val="accent1"/>
+                    </a:solidFill>
+                  </a:rPr>
+                  <a:t>Diameter: </a:t>
+                </a:r>
+                <a14:m>
+                  <m:oMath xmlns:m="http://schemas.openxmlformats.org/officeDocument/2006/math">
+                    <m:func>
+                      <m:funcPr>
+                        <m:ctrlPr>
+                          <a:rPr lang="en-US" b="0" i="1" smtClean="0">
+                            <a:solidFill>
+                              <a:schemeClr val="tx1"/>
+                            </a:solidFill>
+                            <a:latin typeface="Cambria Math" panose="02040503050406030204" pitchFamily="18" charset="0"/>
+                          </a:rPr>
+                        </m:ctrlPr>
+                      </m:funcPr>
+                      <m:fName>
+                        <m:r>
+                          <m:rPr>
+                            <m:sty m:val="p"/>
+                          </m:rPr>
+                          <a:rPr lang="en-US" b="0" i="0" smtClean="0">
+                            <a:solidFill>
+                              <a:schemeClr val="tx1"/>
+                            </a:solidFill>
+                            <a:latin typeface="Cambria Math" panose="02040503050406030204" pitchFamily="18" charset="0"/>
+                          </a:rPr>
+                          <m:t>log</m:t>
+                        </m:r>
+                      </m:fName>
+                      <m:e>
+                        <m:r>
+                          <a:rPr lang="en-US" b="0" i="1" smtClean="0">
+                            <a:solidFill>
+                              <a:schemeClr val="tx1"/>
+                            </a:solidFill>
+                            <a:latin typeface="Cambria Math" panose="02040503050406030204" pitchFamily="18" charset="0"/>
+                          </a:rPr>
+                          <m:t>𝑝</m:t>
+                        </m:r>
+                      </m:e>
+                    </m:func>
+                  </m:oMath>
+                </a14:m>
+                <a:endParaRPr lang="en-US" dirty="0">
+                  <a:solidFill>
+                    <a:schemeClr val="accent1"/>
+                  </a:solidFill>
+                </a:endParaRPr>
+              </a:p>
+              <a:p>
+                <a:r>
+                  <a:rPr lang="en-US" dirty="0">
+                    <a:solidFill>
+                      <a:schemeClr val="accent1"/>
+                    </a:solidFill>
+                  </a:rPr>
+                  <a:t>Bisection Width: </a:t>
+                </a:r>
+                <a14:m>
+                  <m:oMath xmlns:m="http://schemas.openxmlformats.org/officeDocument/2006/math">
+                    <m:r>
+                      <a:rPr lang="en-US" b="0" i="1" smtClean="0">
+                        <a:solidFill>
+                          <a:schemeClr val="tx1"/>
+                        </a:solidFill>
+                        <a:latin typeface="Cambria Math" panose="02040503050406030204" pitchFamily="18" charset="0"/>
+                      </a:rPr>
+                      <m:t>𝑝</m:t>
+                    </m:r>
+                    <m:r>
+                      <a:rPr lang="en-US" b="0" i="0" smtClean="0">
+                        <a:solidFill>
+                          <a:schemeClr val="tx1"/>
+                        </a:solidFill>
+                        <a:latin typeface="Cambria Math" panose="02040503050406030204" pitchFamily="18" charset="0"/>
+                      </a:rPr>
+                      <m:t>/2</m:t>
+                    </m:r>
+                  </m:oMath>
+                </a14:m>
+                <a:endParaRPr lang="en-US" dirty="0">
+                  <a:solidFill>
+                    <a:schemeClr val="accent1"/>
+                  </a:solidFill>
+                </a:endParaRPr>
+              </a:p>
+              <a:p>
+                <a:r>
+                  <a:rPr lang="en-US" dirty="0">
+                    <a:solidFill>
+                      <a:schemeClr val="accent1"/>
+                    </a:solidFill>
+                  </a:rPr>
+                  <a:t>Connectivity:</a:t>
+                </a:r>
+                <a14:m>
+                  <m:oMath xmlns:m="http://schemas.openxmlformats.org/officeDocument/2006/math">
+                    <m:func>
+                      <m:funcPr>
+                        <m:ctrlPr>
+                          <a:rPr lang="en-US" i="1">
+                            <a:latin typeface="Cambria Math" panose="02040503050406030204" pitchFamily="18" charset="0"/>
+                          </a:rPr>
+                        </m:ctrlPr>
+                      </m:funcPr>
+                      <m:fName>
+                        <m:r>
+                          <a:rPr lang="en-US" b="0" i="0" smtClean="0">
+                            <a:latin typeface="Cambria Math" panose="02040503050406030204" pitchFamily="18" charset="0"/>
+                          </a:rPr>
+                          <m:t> </m:t>
+                        </m:r>
+                        <m:r>
+                          <m:rPr>
+                            <m:sty m:val="p"/>
+                          </m:rPr>
+                          <a:rPr lang="en-US">
+                            <a:latin typeface="Cambria Math" panose="02040503050406030204" pitchFamily="18" charset="0"/>
+                          </a:rPr>
+                          <m:t>log</m:t>
+                        </m:r>
+                      </m:fName>
+                      <m:e>
+                        <m:r>
+                          <a:rPr lang="en-US" i="1">
+                            <a:latin typeface="Cambria Math" panose="02040503050406030204" pitchFamily="18" charset="0"/>
+                          </a:rPr>
+                          <m:t>𝑝</m:t>
+                        </m:r>
+                      </m:e>
+                    </m:func>
+                  </m:oMath>
+                </a14:m>
+                <a:endParaRPr lang="en-US" dirty="0">
+                  <a:solidFill>
+                    <a:schemeClr val="accent1"/>
+                  </a:solidFill>
+                </a:endParaRPr>
+              </a:p>
+              <a:p>
+                <a:r>
+                  <a:rPr lang="en-US" dirty="0">
+                    <a:solidFill>
+                      <a:schemeClr val="accent1"/>
+                    </a:solidFill>
+                  </a:rPr>
+                  <a:t>Cost: </a:t>
+                </a:r>
+                <a14:m>
+                  <m:oMath xmlns:m="http://schemas.openxmlformats.org/officeDocument/2006/math">
+                    <m:r>
+                      <a:rPr lang="en-US" b="0" i="0" smtClean="0">
+                        <a:solidFill>
+                          <a:schemeClr val="tx1"/>
+                        </a:solidFill>
+                        <a:latin typeface="Cambria Math" panose="02040503050406030204" pitchFamily="18" charset="0"/>
+                      </a:rPr>
+                      <m:t>(</m:t>
+                    </m:r>
+                    <m:r>
+                      <a:rPr lang="en-US" b="0" i="1" smtClean="0">
+                        <a:solidFill>
+                          <a:schemeClr val="tx1"/>
+                        </a:solidFill>
+                        <a:latin typeface="Cambria Math" panose="02040503050406030204" pitchFamily="18" charset="0"/>
+                      </a:rPr>
+                      <m:t>𝑝</m:t>
+                    </m:r>
+                    <m:func>
+                      <m:funcPr>
+                        <m:ctrlPr>
+                          <a:rPr lang="en-US" b="0" i="1" smtClean="0">
+                            <a:solidFill>
+                              <a:schemeClr val="tx1"/>
+                            </a:solidFill>
+                            <a:latin typeface="Cambria Math" panose="02040503050406030204" pitchFamily="18" charset="0"/>
+                          </a:rPr>
+                        </m:ctrlPr>
+                      </m:funcPr>
+                      <m:fName>
+                        <m:r>
+                          <m:rPr>
+                            <m:sty m:val="p"/>
+                          </m:rPr>
+                          <a:rPr lang="en-US" b="0" i="0" smtClean="0">
+                            <a:solidFill>
+                              <a:schemeClr val="tx1"/>
+                            </a:solidFill>
+                            <a:latin typeface="Cambria Math" panose="02040503050406030204" pitchFamily="18" charset="0"/>
+                          </a:rPr>
+                          <m:t>log</m:t>
+                        </m:r>
+                      </m:fName>
+                      <m:e>
+                        <m:r>
+                          <a:rPr lang="en-US" b="0" i="1" smtClean="0">
+                            <a:solidFill>
+                              <a:schemeClr val="tx1"/>
+                            </a:solidFill>
+                            <a:latin typeface="Cambria Math" panose="02040503050406030204" pitchFamily="18" charset="0"/>
+                          </a:rPr>
+                          <m:t>𝑝</m:t>
+                        </m:r>
+                        <m:r>
+                          <a:rPr lang="en-US" b="0" i="1" smtClean="0">
+                            <a:solidFill>
+                              <a:schemeClr val="tx1"/>
+                            </a:solidFill>
+                            <a:latin typeface="Cambria Math" panose="02040503050406030204" pitchFamily="18" charset="0"/>
+                          </a:rPr>
+                          <m:t>)/2 </m:t>
+                        </m:r>
+                      </m:e>
+                    </m:func>
+                    <m:r>
+                      <a:rPr lang="en-US" b="0" i="1" smtClean="0">
+                        <a:solidFill>
+                          <a:schemeClr val="tx1"/>
+                        </a:solidFill>
+                        <a:latin typeface="Cambria Math" panose="02040503050406030204" pitchFamily="18" charset="0"/>
+                      </a:rPr>
+                      <m:t> </m:t>
+                    </m:r>
+                  </m:oMath>
+                </a14:m>
+                <a:r>
+                  <a:rPr lang="en-US" i="1" dirty="0">
+                    <a:solidFill>
+                      <a:schemeClr val="accent1"/>
+                    </a:solidFill>
+                  </a:rPr>
+                  <a:t>	</a:t>
+                </a:r>
+                <a:r>
+                  <a:rPr lang="en-US" dirty="0">
+                    <a:solidFill>
+                      <a:schemeClr val="accent1"/>
+                    </a:solidFill>
+                  </a:rPr>
+                  <a:t>[#Links]</a:t>
+                </a:r>
+              </a:p>
+              <a:p>
+                <a:pPr marL="0" indent="0">
+                  <a:buNone/>
+                </a:pPr>
+                <a:endParaRPr lang="en-US" dirty="0">
+                  <a:solidFill>
+                    <a:schemeClr val="accent1"/>
+                  </a:solidFill>
+                </a:endParaRPr>
+              </a:p>
+              <a:p>
+                <a:pPr marL="0" indent="0">
+                  <a:buNone/>
+                </a:pPr>
+                <a:endParaRPr lang="en-US" dirty="0">
+                  <a:solidFill>
+                    <a:schemeClr val="accent1"/>
+                  </a:solidFill>
+                </a:endParaRPr>
+              </a:p>
+              <a:p>
+                <a:pPr marL="0" indent="0">
+                  <a:buNone/>
+                </a:pPr>
+                <a:endParaRPr lang="en-US" dirty="0"/>
+              </a:p>
+            </p:txBody>
+          </p:sp>
+        </mc:Choice>
+        <mc:Fallback xmlns="">
+          <p:sp>
+            <p:nvSpPr>
+              <p:cNvPr id="3" name="Content Placeholder 2">
+                <a:extLst>
+                  <a:ext uri="{FF2B5EF4-FFF2-40B4-BE49-F238E27FC236}">
+                    <a16:creationId xmlns:a16="http://schemas.microsoft.com/office/drawing/2014/main" id="{561276FD-DF9B-461F-B425-B1BDC9ADE73E}"/>
+                  </a:ext>
+                </a:extLst>
+              </p:cNvPr>
+              <p:cNvSpPr>
+                <a:spLocks noGrp="1" noRot="1" noChangeAspect="1" noMove="1" noResize="1" noEditPoints="1" noAdjustHandles="1" noChangeArrowheads="1" noChangeShapeType="1" noTextEdit="1"/>
+              </p:cNvSpPr>
+              <p:nvPr>
+                <p:ph idx="1"/>
+              </p:nvPr>
+            </p:nvSpPr>
+            <p:spPr>
+              <a:blipFill>
+                <a:blip r:embed="rId2"/>
+                <a:stretch>
+                  <a:fillRect l="-1043" t="-2801" b="-2381"/>
+                </a:stretch>
+              </a:blipFill>
+            </p:spPr>
+            <p:txBody>
+              <a:bodyPr/>
+              <a:lstStyle/>
+              <a:p>
+                <a:r>
+                  <a:rPr lang="en-US">
+                    <a:noFill/>
+                  </a:rPr>
+                  <a:t> </a:t>
+                </a:r>
+              </a:p>
+            </p:txBody>
+          </p:sp>
+        </mc:Fallback>
+      </mc:AlternateContent>
+    </p:spTree>
+    <p:extLst>
+      <p:ext uri="{BB962C8B-B14F-4D97-AF65-F5344CB8AC3E}">
+        <p14:creationId xmlns:p14="http://schemas.microsoft.com/office/powerpoint/2010/main" val="722990227"/>
+      </p:ext>
+    </p:extLst>
+  </p:cSld>
+  <p:clrMapOvr>
+    <a:masterClrMapping/>
+  </p:clrMapOvr>
+</p:sld>
+</file>
+
+<file path=ppt/slides/slide31.xml><?xml version="1.0" encoding="utf-8"?>
+<p:sld xmlns:a="http://schemas.openxmlformats.org/drawingml/2006/main" xmlns:r="http://schemas.openxmlformats.org/officeDocument/2006/relationships" xmlns:p="http://schemas.openxmlformats.org/presentationml/2006/main">
+  <p:cSld>
+    <p:spTree>
+      <p:nvGrpSpPr>
+        <p:cNvPr id="1" name=""/>
+        <p:cNvGrpSpPr/>
+        <p:nvPr/>
+      </p:nvGrpSpPr>
+      <p:grpSpPr>
+        <a:xfrm>
+          <a:off x="0" y="0"/>
+          <a:ext cx="0" cy="0"/>
+          <a:chOff x="0" y="0"/>
+          <a:chExt cx="0" cy="0"/>
+        </a:xfrm>
+      </p:grpSpPr>
+      <p:sp>
+        <p:nvSpPr>
+          <p:cNvPr id="2" name="Title 1">
+            <a:extLst>
+              <a:ext uri="{FF2B5EF4-FFF2-40B4-BE49-F238E27FC236}">
+                <a16:creationId xmlns:a16="http://schemas.microsoft.com/office/drawing/2014/main" id="{CB0423A5-E119-4943-9ACC-EE9ED7C3901E}"/>
+              </a:ext>
+            </a:extLst>
+          </p:cNvPr>
+          <p:cNvSpPr>
+            <a:spLocks noGrp="1"/>
+          </p:cNvSpPr>
+          <p:nvPr>
+            <p:ph type="title"/>
+          </p:nvPr>
+        </p:nvSpPr>
+        <p:spPr/>
+        <p:txBody>
+          <a:bodyPr/>
+          <a:lstStyle/>
+          <a:p>
+            <a:r>
+              <a:rPr lang="en-US" dirty="0">
+                <a:solidFill>
+                  <a:schemeClr val="accent1"/>
+                </a:solidFill>
+              </a:rPr>
+              <a:t>Hypercube</a:t>
+            </a:r>
+            <a:endParaRPr lang="en-US" dirty="0"/>
+          </a:p>
+        </p:txBody>
+      </p:sp>
+      <mc:AlternateContent xmlns:mc="http://schemas.openxmlformats.org/markup-compatibility/2006" xmlns:a14="http://schemas.microsoft.com/office/drawing/2010/main">
+        <mc:Choice Requires="a14">
+          <p:sp>
+            <p:nvSpPr>
+              <p:cNvPr id="3" name="Content Placeholder 2">
+                <a:extLst>
+                  <a:ext uri="{FF2B5EF4-FFF2-40B4-BE49-F238E27FC236}">
+                    <a16:creationId xmlns:a16="http://schemas.microsoft.com/office/drawing/2014/main" id="{D20497E1-391E-4083-A098-2E0BB33B5D95}"/>
+                  </a:ext>
+                </a:extLst>
+              </p:cNvPr>
+              <p:cNvSpPr>
+                <a:spLocks noGrp="1"/>
+              </p:cNvSpPr>
+              <p:nvPr>
+                <p:ph idx="1"/>
+              </p:nvPr>
+            </p:nvSpPr>
+            <p:spPr/>
+            <p:txBody>
+              <a:bodyPr>
+                <a:normAutofit/>
+              </a:bodyPr>
+              <a:lstStyle/>
+              <a:p>
+                <a:pPr marL="0" indent="0">
+                  <a:buNone/>
+                </a:pPr>
+                <a:r>
+                  <a:rPr lang="en-US" sz="2400" b="0" i="0" u="none" strike="noStrike" baseline="0" dirty="0">
+                    <a:solidFill>
+                      <a:schemeClr val="accent1"/>
+                    </a:solidFill>
+                    <a:latin typeface="Verdana" panose="020B0604030504040204" pitchFamily="34" charset="0"/>
+                  </a:rPr>
+                  <a:t>In general, a </a:t>
+                </a:r>
+                <a14:m>
+                  <m:oMath xmlns:m="http://schemas.openxmlformats.org/officeDocument/2006/math">
+                    <m:r>
+                      <a:rPr lang="en-US" sz="2400" b="0" i="1" smtClean="0">
+                        <a:latin typeface="Cambria Math" panose="02040503050406030204" pitchFamily="18" charset="0"/>
+                      </a:rPr>
+                      <m:t>𝑑</m:t>
+                    </m:r>
+                    <m:r>
+                      <a:rPr lang="en-US" sz="2400" b="0" i="1" smtClean="0">
+                        <a:latin typeface="Cambria Math" panose="02040503050406030204" pitchFamily="18" charset="0"/>
+                      </a:rPr>
+                      <m:t> </m:t>
+                    </m:r>
+                  </m:oMath>
+                </a14:m>
+                <a:r>
+                  <a:rPr lang="en-US" sz="2400" b="0" i="0" u="none" strike="noStrike" baseline="0" dirty="0">
+                    <a:solidFill>
+                      <a:schemeClr val="accent1"/>
+                    </a:solidFill>
+                    <a:latin typeface="Verdana" panose="020B0604030504040204" pitchFamily="34" charset="0"/>
+                  </a:rPr>
+                  <a:t>-dimensional hypercube is constructed by</a:t>
+                </a:r>
+                <a:r>
+                  <a:rPr lang="en-US" sz="2400" b="0" i="0" u="none" strike="noStrike" dirty="0">
+                    <a:solidFill>
+                      <a:schemeClr val="accent1"/>
+                    </a:solidFill>
+                    <a:latin typeface="Verdana" panose="020B0604030504040204" pitchFamily="34" charset="0"/>
+                  </a:rPr>
+                  <a:t> </a:t>
+                </a:r>
+                <a:r>
+                  <a:rPr lang="en-US" sz="2400" b="0" i="0" u="none" strike="noStrike" baseline="0" dirty="0">
+                    <a:solidFill>
+                      <a:schemeClr val="accent1"/>
+                    </a:solidFill>
+                    <a:latin typeface="Verdana" panose="020B0604030504040204" pitchFamily="34" charset="0"/>
+                  </a:rPr>
+                  <a:t>connecting corresponding nodes of </a:t>
+                </a:r>
+                <a:r>
+                  <a:rPr lang="en-US" sz="2400" b="1" i="1" u="none" strike="noStrike" baseline="0" dirty="0">
+                    <a:solidFill>
+                      <a:srgbClr val="FF0000"/>
+                    </a:solidFill>
+                    <a:latin typeface="Verdana" panose="020B0604030504040204" pitchFamily="34" charset="0"/>
+                  </a:rPr>
+                  <a:t>two</a:t>
+                </a:r>
+                <a:r>
+                  <a:rPr lang="en-US" sz="2400" b="0" i="0" u="none" strike="noStrike" baseline="0" dirty="0">
+                    <a:solidFill>
+                      <a:schemeClr val="accent1"/>
+                    </a:solidFill>
+                    <a:latin typeface="Verdana" panose="020B0604030504040204" pitchFamily="34" charset="0"/>
+                  </a:rPr>
+                  <a:t> </a:t>
+                </a:r>
+                <a14:m>
+                  <m:oMath xmlns:m="http://schemas.openxmlformats.org/officeDocument/2006/math">
+                    <m:r>
+                      <a:rPr lang="en-US" sz="2400" b="0" i="0" smtClean="0">
+                        <a:latin typeface="Cambria Math" panose="02040503050406030204" pitchFamily="18" charset="0"/>
+                      </a:rPr>
+                      <m:t>(</m:t>
+                    </m:r>
+                    <m:r>
+                      <a:rPr lang="en-US" sz="2400" i="1">
+                        <a:latin typeface="Cambria Math" panose="02040503050406030204" pitchFamily="18" charset="0"/>
+                      </a:rPr>
+                      <m:t>𝑑</m:t>
+                    </m:r>
+                    <m:r>
+                      <a:rPr lang="en-US" sz="2400" b="0" i="1" smtClean="0">
+                        <a:latin typeface="Cambria Math" panose="02040503050406030204" pitchFamily="18" charset="0"/>
+                      </a:rPr>
+                      <m:t>−1)</m:t>
+                    </m:r>
+                  </m:oMath>
+                </a14:m>
+                <a:r>
+                  <a:rPr lang="en-US" sz="2400" b="0" i="0" u="none" strike="noStrike" baseline="0" dirty="0">
+                    <a:solidFill>
+                      <a:schemeClr val="accent1"/>
+                    </a:solidFill>
+                    <a:latin typeface="Verdana" panose="020B0604030504040204" pitchFamily="34" charset="0"/>
+                  </a:rPr>
+                  <a:t> dimensional hypercubes.</a:t>
+                </a:r>
+              </a:p>
+              <a:p>
+                <a:pPr marL="0" indent="0">
+                  <a:buNone/>
+                </a:pPr>
+                <a:endParaRPr lang="en-US" sz="2400" dirty="0">
+                  <a:solidFill>
+                    <a:schemeClr val="accent1"/>
+                  </a:solidFill>
+                  <a:latin typeface="Verdana" panose="020B0604030504040204" pitchFamily="34" charset="0"/>
+                </a:endParaRPr>
+              </a:p>
+              <a:p>
+                <a:pPr marL="0" indent="0">
+                  <a:buNone/>
+                </a:pPr>
+                <a:endParaRPr lang="en-US" sz="2400" dirty="0">
+                  <a:solidFill>
+                    <a:schemeClr val="accent1"/>
+                  </a:solidFill>
+                </a:endParaRPr>
+              </a:p>
+            </p:txBody>
+          </p:sp>
+        </mc:Choice>
+        <mc:Fallback xmlns="">
+          <p:sp>
+            <p:nvSpPr>
+              <p:cNvPr id="3" name="Content Placeholder 2">
+                <a:extLst>
+                  <a:ext uri="{FF2B5EF4-FFF2-40B4-BE49-F238E27FC236}">
+                    <a16:creationId xmlns:a16="http://schemas.microsoft.com/office/drawing/2014/main" id="{D20497E1-391E-4083-A098-2E0BB33B5D95}"/>
+                  </a:ext>
+                </a:extLst>
+              </p:cNvPr>
+              <p:cNvSpPr>
+                <a:spLocks noGrp="1" noRot="1" noChangeAspect="1" noMove="1" noResize="1" noEditPoints="1" noAdjustHandles="1" noChangeArrowheads="1" noChangeShapeType="1" noTextEdit="1"/>
+              </p:cNvSpPr>
+              <p:nvPr>
+                <p:ph idx="1"/>
+              </p:nvPr>
+            </p:nvSpPr>
+            <p:spPr>
+              <a:blipFill>
+                <a:blip r:embed="rId2"/>
+                <a:stretch>
+                  <a:fillRect l="-928" t="-2101"/>
+                </a:stretch>
+              </a:blipFill>
+            </p:spPr>
+            <p:txBody>
+              <a:bodyPr/>
+              <a:lstStyle/>
+              <a:p>
+                <a:r>
+                  <a:rPr lang="en-US">
+                    <a:noFill/>
+                  </a:rPr>
+                  <a:t> </a:t>
+                </a:r>
+              </a:p>
+            </p:txBody>
+          </p:sp>
+        </mc:Fallback>
+      </mc:AlternateContent>
+      <p:pic>
+        <p:nvPicPr>
+          <p:cNvPr id="4" name="Picture 3">
+            <a:extLst>
+              <a:ext uri="{FF2B5EF4-FFF2-40B4-BE49-F238E27FC236}">
+                <a16:creationId xmlns:a16="http://schemas.microsoft.com/office/drawing/2014/main" id="{0ABBFC77-75B3-48D1-9D73-E41C5554541D}"/>
+              </a:ext>
+            </a:extLst>
+          </p:cNvPr>
+          <p:cNvPicPr>
+            <a:picLocks noChangeAspect="1"/>
+          </p:cNvPicPr>
+          <p:nvPr/>
+        </p:nvPicPr>
+        <p:blipFill>
+          <a:blip r:embed="rId3"/>
+          <a:stretch>
+            <a:fillRect/>
+          </a:stretch>
+        </p:blipFill>
+        <p:spPr>
+          <a:xfrm>
+            <a:off x="4131062" y="2800350"/>
+            <a:ext cx="3929875" cy="3903570"/>
+          </a:xfrm>
+          <a:prstGeom prst="rect">
+            <a:avLst/>
+          </a:prstGeom>
+        </p:spPr>
+      </p:pic>
+    </p:spTree>
+    <p:extLst>
+      <p:ext uri="{BB962C8B-B14F-4D97-AF65-F5344CB8AC3E}">
+        <p14:creationId xmlns:p14="http://schemas.microsoft.com/office/powerpoint/2010/main" val="1515734121"/>
+      </p:ext>
+    </p:extLst>
+  </p:cSld>
+  <p:clrMapOvr>
+    <a:masterClrMapping/>
+  </p:clrMapOvr>
+</p:sld>
+</file>
+
+<file path=ppt/slides/slide32.xml><?xml version="1.0" encoding="utf-8"?>
+<p:sld xmlns:a="http://schemas.openxmlformats.org/drawingml/2006/main" xmlns:r="http://schemas.openxmlformats.org/officeDocument/2006/relationships" xmlns:p="http://schemas.openxmlformats.org/presentationml/2006/main">
+  <p:cSld>
+    <p:spTree>
+      <p:nvGrpSpPr>
+        <p:cNvPr id="1" name=""/>
+        <p:cNvGrpSpPr/>
+        <p:nvPr/>
+      </p:nvGrpSpPr>
+      <p:grpSpPr>
+        <a:xfrm>
+          <a:off x="0" y="0"/>
+          <a:ext cx="0" cy="0"/>
+          <a:chOff x="0" y="0"/>
+          <a:chExt cx="0" cy="0"/>
+        </a:xfrm>
+      </p:grpSpPr>
+      <p:sp>
+        <p:nvSpPr>
+          <p:cNvPr id="2" name="Title 1">
+            <a:extLst>
+              <a:ext uri="{FF2B5EF4-FFF2-40B4-BE49-F238E27FC236}">
                 <a16:creationId xmlns:a16="http://schemas.microsoft.com/office/drawing/2014/main" id="{DEBEC29D-BD96-45F1-A853-C60667BC813F}"/>
               </a:ext>
             </a:extLst>
@@ -12584,7 +13518,7 @@
 </p:sld>
 </file>
 
-<file path=ppt/slides/slide31.xml><?xml version="1.0" encoding="utf-8"?>
+<file path=ppt/slides/slide33.xml><?xml version="1.0" encoding="utf-8"?>
 <p:sld xmlns:a="http://schemas.openxmlformats.org/drawingml/2006/main" xmlns:r="http://schemas.openxmlformats.org/officeDocument/2006/relationships" xmlns:p="http://schemas.openxmlformats.org/presentationml/2006/main">
   <p:cSld>
     <p:spTree>
@@ -12634,8 +13568,8 @@
           </a:p>
         </p:txBody>
       </p:sp>
-      <mc:AlternateContent xmlns:mc="http://schemas.openxmlformats.org/markup-compatibility/2006">
-        <mc:Choice xmlns:a14="http://schemas.microsoft.com/office/drawing/2010/main" Requires="a14">
+      <mc:AlternateContent xmlns:mc="http://schemas.openxmlformats.org/markup-compatibility/2006" xmlns:a14="http://schemas.microsoft.com/office/drawing/2010/main">
+        <mc:Choice Requires="a14">
           <p:sp>
             <p:nvSpPr>
               <p:cNvPr id="3" name="Content Placeholder 2">
@@ -12871,7 +13805,7 @@
             </p:txBody>
           </p:sp>
         </mc:Choice>
-        <mc:Fallback>
+        <mc:Fallback xmlns="">
           <p:sp>
             <p:nvSpPr>
               <p:cNvPr id="3" name="Content Placeholder 2">
@@ -12915,611 +13849,6 @@
     <p:extLst>
       <p:ext uri="{BB962C8B-B14F-4D97-AF65-F5344CB8AC3E}">
         <p14:creationId xmlns:p14="http://schemas.microsoft.com/office/powerpoint/2010/main" val="4226701011"/>
-      </p:ext>
-    </p:extLst>
-  </p:cSld>
-  <p:clrMapOvr>
-    <a:masterClrMapping/>
-  </p:clrMapOvr>
-</p:sld>
-</file>
-
-<file path=ppt/slides/slide32.xml><?xml version="1.0" encoding="utf-8"?>
-<p:sld xmlns:a="http://schemas.openxmlformats.org/drawingml/2006/main" xmlns:r="http://schemas.openxmlformats.org/officeDocument/2006/relationships" xmlns:p="http://schemas.openxmlformats.org/presentationml/2006/main">
-  <p:cSld>
-    <p:spTree>
-      <p:nvGrpSpPr>
-        <p:cNvPr id="1" name=""/>
-        <p:cNvGrpSpPr/>
-        <p:nvPr/>
-      </p:nvGrpSpPr>
-      <p:grpSpPr>
-        <a:xfrm>
-          <a:off x="0" y="0"/>
-          <a:ext cx="0" cy="0"/>
-          <a:chOff x="0" y="0"/>
-          <a:chExt cx="0" cy="0"/>
-        </a:xfrm>
-      </p:grpSpPr>
-      <p:sp>
-        <p:nvSpPr>
-          <p:cNvPr id="2" name="Title 1">
-            <a:extLst>
-              <a:ext uri="{FF2B5EF4-FFF2-40B4-BE49-F238E27FC236}">
-                <a16:creationId xmlns:a16="http://schemas.microsoft.com/office/drawing/2014/main" id="{CAA0167B-C076-4A0F-A69F-28ECFEDDE376}"/>
-              </a:ext>
-            </a:extLst>
-          </p:cNvPr>
-          <p:cNvSpPr>
-            <a:spLocks noGrp="1"/>
-          </p:cNvSpPr>
-          <p:nvPr>
-            <p:ph type="title"/>
-          </p:nvPr>
-        </p:nvSpPr>
-        <p:spPr/>
-        <p:txBody>
-          <a:bodyPr/>
-          <a:lstStyle/>
-          <a:p>
-            <a:r>
-              <a:rPr lang="en-US" dirty="0">
-                <a:solidFill>
-                  <a:schemeClr val="accent1"/>
-                </a:solidFill>
-              </a:rPr>
-              <a:t>Message Passing Cost</a:t>
-            </a:r>
-            <a:endParaRPr lang="en-US" dirty="0"/>
-          </a:p>
-        </p:txBody>
-      </p:sp>
-      <mc:AlternateContent xmlns:mc="http://schemas.openxmlformats.org/markup-compatibility/2006">
-        <mc:Choice xmlns:a14="http://schemas.microsoft.com/office/drawing/2010/main" Requires="a14">
-          <p:sp>
-            <p:nvSpPr>
-              <p:cNvPr id="3" name="Content Placeholder 2">
-                <a:extLst>
-                  <a:ext uri="{FF2B5EF4-FFF2-40B4-BE49-F238E27FC236}">
-                    <a16:creationId xmlns:a16="http://schemas.microsoft.com/office/drawing/2014/main" id="{FA9CBBD1-69C8-4B08-85DB-7A4BE9979ED3}"/>
-                  </a:ext>
-                </a:extLst>
-              </p:cNvPr>
-              <p:cNvSpPr>
-                <a:spLocks noGrp="1"/>
-              </p:cNvSpPr>
-              <p:nvPr>
-                <p:ph idx="1"/>
-              </p:nvPr>
-            </p:nvSpPr>
-            <p:spPr/>
-            <p:txBody>
-              <a:bodyPr>
-                <a:normAutofit lnSpcReduction="10000"/>
-              </a:bodyPr>
-              <a:lstStyle/>
-              <a:p>
-                <a:pPr marL="0" indent="0">
-                  <a:buNone/>
-                </a:pPr>
-                <a:r>
-                  <a:rPr lang="en-US" b="1" i="1" u="sng" dirty="0">
-                    <a:solidFill>
-                      <a:srgbClr val="FF0000"/>
-                    </a:solidFill>
-                  </a:rPr>
-                  <a:t>Startup time</a:t>
-                </a:r>
-                <a:r>
-                  <a:rPr lang="en-US" dirty="0">
-                    <a:solidFill>
-                      <a:srgbClr val="FF0000"/>
-                    </a:solidFill>
-                  </a:rPr>
-                  <a:t> </a:t>
-                </a:r>
-                <a14:m>
-                  <m:oMath xmlns:m="http://schemas.openxmlformats.org/officeDocument/2006/math">
-                    <m:sSub>
-                      <m:sSubPr>
-                        <m:ctrlPr>
-                          <a:rPr lang="en-US" i="1" smtClean="0">
-                            <a:solidFill>
-                              <a:schemeClr val="tx2"/>
-                            </a:solidFill>
-                            <a:latin typeface="Cambria Math" panose="02040503050406030204" pitchFamily="18" charset="0"/>
-                          </a:rPr>
-                        </m:ctrlPr>
-                      </m:sSubPr>
-                      <m:e>
-                        <m:r>
-                          <a:rPr lang="en-US" b="0" i="1" smtClean="0">
-                            <a:solidFill>
-                              <a:schemeClr val="tx2"/>
-                            </a:solidFill>
-                            <a:latin typeface="Cambria Math" panose="02040503050406030204" pitchFamily="18" charset="0"/>
-                          </a:rPr>
-                          <m:t>𝑡</m:t>
-                        </m:r>
-                      </m:e>
-                      <m:sub>
-                        <m:r>
-                          <a:rPr lang="en-US" b="0" i="1" smtClean="0">
-                            <a:solidFill>
-                              <a:schemeClr val="tx2"/>
-                            </a:solidFill>
-                            <a:latin typeface="Cambria Math" panose="02040503050406030204" pitchFamily="18" charset="0"/>
-                          </a:rPr>
-                          <m:t>𝑠</m:t>
-                        </m:r>
-                      </m:sub>
-                    </m:sSub>
-                  </m:oMath>
-                </a14:m>
-                <a:endParaRPr lang="en-US" b="1" i="1" dirty="0">
-                  <a:solidFill>
-                    <a:srgbClr val="FF0000"/>
-                  </a:solidFill>
-                </a:endParaRPr>
-              </a:p>
-              <a:p>
-                <a:pPr marL="0" indent="0">
-                  <a:buNone/>
-                </a:pPr>
-                <a:endParaRPr lang="en-US" b="1" i="1" dirty="0">
-                  <a:solidFill>
-                    <a:srgbClr val="FF0000"/>
-                  </a:solidFill>
-                </a:endParaRPr>
-              </a:p>
-              <a:p>
-                <a:pPr lvl="1"/>
-                <a:r>
-                  <a:rPr lang="en-US" dirty="0">
-                    <a:solidFill>
-                      <a:schemeClr val="accent1"/>
-                    </a:solidFill>
-                  </a:rPr>
-                  <a:t>The startup time is the time required to handle a message at the sending and receiving processors. </a:t>
-                </a:r>
-              </a:p>
-              <a:p>
-                <a:pPr marL="457200" lvl="1" indent="0">
-                  <a:buNone/>
-                </a:pPr>
-                <a:endParaRPr lang="en-US" dirty="0">
-                  <a:solidFill>
-                    <a:schemeClr val="accent1"/>
-                  </a:solidFill>
-                </a:endParaRPr>
-              </a:p>
-              <a:p>
-                <a:pPr lvl="1"/>
-                <a:r>
-                  <a:rPr lang="en-US" dirty="0">
-                    <a:solidFill>
-                      <a:schemeClr val="accent1"/>
-                    </a:solidFill>
-                  </a:rPr>
-                  <a:t>This includes </a:t>
-                </a:r>
-              </a:p>
-              <a:p>
-                <a:pPr lvl="2"/>
-                <a:r>
-                  <a:rPr lang="en-US" dirty="0">
-                    <a:solidFill>
-                      <a:schemeClr val="accent1"/>
-                    </a:solidFill>
-                  </a:rPr>
-                  <a:t>the time to prepare the message (adding header, trailer, and error correction information)</a:t>
-                </a:r>
-              </a:p>
-              <a:p>
-                <a:pPr lvl="2"/>
-                <a:r>
-                  <a:rPr lang="en-US" dirty="0">
-                    <a:solidFill>
-                      <a:schemeClr val="accent1"/>
-                    </a:solidFill>
-                  </a:rPr>
-                  <a:t>the time to execute the routing algorithm</a:t>
-                </a:r>
-              </a:p>
-              <a:p>
-                <a:pPr lvl="2"/>
-                <a:r>
-                  <a:rPr lang="en-US" dirty="0">
-                    <a:solidFill>
-                      <a:schemeClr val="accent1"/>
-                    </a:solidFill>
-                  </a:rPr>
-                  <a:t>the time to establish an interface between the local node and the router</a:t>
-                </a:r>
-              </a:p>
-              <a:p>
-                <a:pPr marL="914400" lvl="2" indent="0">
-                  <a:buNone/>
-                </a:pPr>
-                <a:endParaRPr lang="en-US" dirty="0">
-                  <a:solidFill>
-                    <a:schemeClr val="accent1"/>
-                  </a:solidFill>
-                </a:endParaRPr>
-              </a:p>
-              <a:p>
-                <a:pPr lvl="1"/>
-                <a:r>
-                  <a:rPr lang="en-US" dirty="0">
-                    <a:solidFill>
-                      <a:schemeClr val="accent1"/>
-                    </a:solidFill>
-                  </a:rPr>
-                  <a:t>This delay is incurred only once for a single message transfer.</a:t>
-                </a:r>
-                <a:endParaRPr lang="en-US" i="1" dirty="0">
-                  <a:solidFill>
-                    <a:schemeClr val="accent1"/>
-                  </a:solidFill>
-                </a:endParaRPr>
-              </a:p>
-            </p:txBody>
-          </p:sp>
-        </mc:Choice>
-        <mc:Fallback>
-          <p:sp>
-            <p:nvSpPr>
-              <p:cNvPr id="3" name="Content Placeholder 2">
-                <a:extLst>
-                  <a:ext uri="{FF2B5EF4-FFF2-40B4-BE49-F238E27FC236}">
-                    <a16:creationId xmlns:a16="http://schemas.microsoft.com/office/drawing/2014/main" id="{FA9CBBD1-69C8-4B08-85DB-7A4BE9979ED3}"/>
-                  </a:ext>
-                </a:extLst>
-              </p:cNvPr>
-              <p:cNvSpPr>
-                <a:spLocks noGrp="1" noRot="1" noChangeAspect="1" noMove="1" noResize="1" noEditPoints="1" noAdjustHandles="1" noChangeArrowheads="1" noChangeShapeType="1" noTextEdit="1"/>
-              </p:cNvSpPr>
-              <p:nvPr>
-                <p:ph idx="1"/>
-              </p:nvPr>
-            </p:nvSpPr>
-            <p:spPr>
-              <a:blipFill>
-                <a:blip r:embed="rId2"/>
-                <a:stretch>
-                  <a:fillRect l="-1217" t="-3081" r="-348"/>
-                </a:stretch>
-              </a:blipFill>
-            </p:spPr>
-            <p:txBody>
-              <a:bodyPr/>
-              <a:lstStyle/>
-              <a:p>
-                <a:r>
-                  <a:rPr lang="en-US">
-                    <a:noFill/>
-                  </a:rPr>
-                  <a:t> </a:t>
-                </a:r>
-              </a:p>
-            </p:txBody>
-          </p:sp>
-        </mc:Fallback>
-      </mc:AlternateContent>
-    </p:spTree>
-    <p:extLst>
-      <p:ext uri="{BB962C8B-B14F-4D97-AF65-F5344CB8AC3E}">
-        <p14:creationId xmlns:p14="http://schemas.microsoft.com/office/powerpoint/2010/main" val="2783496136"/>
-      </p:ext>
-    </p:extLst>
-  </p:cSld>
-  <p:clrMapOvr>
-    <a:masterClrMapping/>
-  </p:clrMapOvr>
-</p:sld>
-</file>
-
-<file path=ppt/slides/slide33.xml><?xml version="1.0" encoding="utf-8"?>
-<p:sld xmlns:a="http://schemas.openxmlformats.org/drawingml/2006/main" xmlns:r="http://schemas.openxmlformats.org/officeDocument/2006/relationships" xmlns:p="http://schemas.openxmlformats.org/presentationml/2006/main">
-  <p:cSld>
-    <p:spTree>
-      <p:nvGrpSpPr>
-        <p:cNvPr id="1" name=""/>
-        <p:cNvGrpSpPr/>
-        <p:nvPr/>
-      </p:nvGrpSpPr>
-      <p:grpSpPr>
-        <a:xfrm>
-          <a:off x="0" y="0"/>
-          <a:ext cx="0" cy="0"/>
-          <a:chOff x="0" y="0"/>
-          <a:chExt cx="0" cy="0"/>
-        </a:xfrm>
-      </p:grpSpPr>
-      <p:sp>
-        <p:nvSpPr>
-          <p:cNvPr id="2" name="Title 1">
-            <a:extLst>
-              <a:ext uri="{FF2B5EF4-FFF2-40B4-BE49-F238E27FC236}">
-                <a16:creationId xmlns:a16="http://schemas.microsoft.com/office/drawing/2014/main" id="{CAA0167B-C076-4A0F-A69F-28ECFEDDE376}"/>
-              </a:ext>
-            </a:extLst>
-          </p:cNvPr>
-          <p:cNvSpPr>
-            <a:spLocks noGrp="1"/>
-          </p:cNvSpPr>
-          <p:nvPr>
-            <p:ph type="title"/>
-          </p:nvPr>
-        </p:nvSpPr>
-        <p:spPr/>
-        <p:txBody>
-          <a:bodyPr/>
-          <a:lstStyle/>
-          <a:p>
-            <a:r>
-              <a:rPr lang="en-US" dirty="0">
-                <a:solidFill>
-                  <a:schemeClr val="accent1"/>
-                </a:solidFill>
-              </a:rPr>
-              <a:t>Message Passing Cost</a:t>
-            </a:r>
-            <a:endParaRPr lang="en-US" dirty="0"/>
-          </a:p>
-        </p:txBody>
-      </p:sp>
-      <mc:AlternateContent xmlns:mc="http://schemas.openxmlformats.org/markup-compatibility/2006">
-        <mc:Choice xmlns:a14="http://schemas.microsoft.com/office/drawing/2010/main" Requires="a14">
-          <p:sp>
-            <p:nvSpPr>
-              <p:cNvPr id="3" name="Content Placeholder 2">
-                <a:extLst>
-                  <a:ext uri="{FF2B5EF4-FFF2-40B4-BE49-F238E27FC236}">
-                    <a16:creationId xmlns:a16="http://schemas.microsoft.com/office/drawing/2014/main" id="{FA9CBBD1-69C8-4B08-85DB-7A4BE9979ED3}"/>
-                  </a:ext>
-                </a:extLst>
-              </p:cNvPr>
-              <p:cNvSpPr>
-                <a:spLocks noGrp="1"/>
-              </p:cNvSpPr>
-              <p:nvPr>
-                <p:ph idx="1"/>
-              </p:nvPr>
-            </p:nvSpPr>
-            <p:spPr/>
-            <p:txBody>
-              <a:bodyPr>
-                <a:normAutofit lnSpcReduction="10000"/>
-              </a:bodyPr>
-              <a:lstStyle/>
-              <a:p>
-                <a:pPr marL="0" indent="0" algn="l">
-                  <a:buNone/>
-                </a:pPr>
-                <a:r>
-                  <a:rPr lang="en-US" b="1" i="1" u="sng" dirty="0">
-                    <a:solidFill>
-                      <a:srgbClr val="FF0000"/>
-                    </a:solidFill>
-                  </a:rPr>
-                  <a:t>Per-hop time</a:t>
-                </a:r>
-                <a:r>
-                  <a:rPr lang="en-US" b="1" i="1" dirty="0">
-                    <a:solidFill>
-                      <a:srgbClr val="FF0000"/>
-                    </a:solidFill>
-                  </a:rPr>
-                  <a:t> </a:t>
-                </a:r>
-                <a14:m>
-                  <m:oMath xmlns:m="http://schemas.openxmlformats.org/officeDocument/2006/math">
-                    <m:sSub>
-                      <m:sSubPr>
-                        <m:ctrlPr>
-                          <a:rPr lang="en-US" i="1" smtClean="0">
-                            <a:solidFill>
-                              <a:schemeClr val="tx2"/>
-                            </a:solidFill>
-                            <a:latin typeface="Cambria Math" panose="02040503050406030204" pitchFamily="18" charset="0"/>
-                          </a:rPr>
-                        </m:ctrlPr>
-                      </m:sSubPr>
-                      <m:e>
-                        <m:r>
-                          <a:rPr lang="en-US" b="0" i="1" smtClean="0">
-                            <a:solidFill>
-                              <a:schemeClr val="tx2"/>
-                            </a:solidFill>
-                            <a:latin typeface="Cambria Math" panose="02040503050406030204" pitchFamily="18" charset="0"/>
-                          </a:rPr>
-                          <m:t>𝑡</m:t>
-                        </m:r>
-                      </m:e>
-                      <m:sub>
-                        <m:r>
-                          <a:rPr lang="en-US" b="0" i="1" smtClean="0">
-                            <a:solidFill>
-                              <a:schemeClr val="tx2"/>
-                            </a:solidFill>
-                            <a:latin typeface="Cambria Math" panose="02040503050406030204" pitchFamily="18" charset="0"/>
-                          </a:rPr>
-                          <m:t>h</m:t>
-                        </m:r>
-                      </m:sub>
-                    </m:sSub>
-                  </m:oMath>
-                </a14:m>
-                <a:endParaRPr lang="en-US" sz="2600" b="0" i="0" u="none" strike="noStrike" baseline="0" dirty="0">
-                  <a:solidFill>
-                    <a:schemeClr val="accent1"/>
-                  </a:solidFill>
-                </a:endParaRPr>
-              </a:p>
-              <a:p>
-                <a:pPr marL="0" indent="0" algn="l">
-                  <a:buNone/>
-                </a:pPr>
-                <a:endParaRPr lang="en-US" sz="2600" b="0" i="0" u="none" strike="noStrike" baseline="0" dirty="0">
-                  <a:solidFill>
-                    <a:schemeClr val="accent1"/>
-                  </a:solidFill>
-                </a:endParaRPr>
-              </a:p>
-              <a:p>
-                <a:pPr lvl="1"/>
-                <a:r>
-                  <a:rPr lang="en-US" b="0" i="0" u="none" strike="noStrike" baseline="0" dirty="0">
-                    <a:solidFill>
-                      <a:schemeClr val="accent1"/>
-                    </a:solidFill>
-                  </a:rPr>
-                  <a:t>After a message leaves a node, it takes a finite amount of time to reach the next node in its path. </a:t>
-                </a:r>
-              </a:p>
-              <a:p>
-                <a:pPr marL="457200" lvl="1" indent="0">
-                  <a:buNone/>
-                </a:pPr>
-                <a:endParaRPr lang="en-US" b="0" i="0" u="none" strike="noStrike" baseline="0" dirty="0">
-                  <a:solidFill>
-                    <a:schemeClr val="accent1"/>
-                  </a:solidFill>
-                </a:endParaRPr>
-              </a:p>
-              <a:p>
-                <a:pPr lvl="1"/>
-                <a:r>
-                  <a:rPr lang="en-US" b="0" i="0" u="none" strike="noStrike" baseline="0" dirty="0">
-                    <a:solidFill>
-                      <a:schemeClr val="accent1"/>
-                    </a:solidFill>
-                  </a:rPr>
-                  <a:t>The time taken by the header of a message to travel between two directly-connected nodes in the network is called </a:t>
-                </a:r>
-                <a:r>
-                  <a:rPr lang="en-US" b="1" i="1" u="none" strike="noStrike" baseline="0" dirty="0">
-                    <a:solidFill>
-                      <a:srgbClr val="FF0000"/>
-                    </a:solidFill>
-                  </a:rPr>
-                  <a:t>the per-hop time</a:t>
-                </a:r>
-                <a:r>
-                  <a:rPr lang="en-US" b="0" i="0" u="none" strike="noStrike" baseline="0" dirty="0">
-                    <a:solidFill>
-                      <a:schemeClr val="accent1"/>
-                    </a:solidFill>
-                  </a:rPr>
-                  <a:t>, also known as </a:t>
-                </a:r>
-                <a:r>
-                  <a:rPr lang="en-US" b="1" i="1" u="none" strike="noStrike" baseline="0" dirty="0">
-                    <a:solidFill>
-                      <a:srgbClr val="FF0000"/>
-                    </a:solidFill>
-                  </a:rPr>
-                  <a:t>node latency</a:t>
-                </a:r>
-                <a:r>
-                  <a:rPr lang="en-US" b="0" i="0" u="none" strike="noStrike" baseline="0" dirty="0">
-                    <a:solidFill>
-                      <a:schemeClr val="accent1"/>
-                    </a:solidFill>
-                  </a:rPr>
-                  <a:t>. </a:t>
-                </a:r>
-              </a:p>
-              <a:p>
-                <a:pPr marL="457200" lvl="1" indent="0">
-                  <a:buNone/>
-                </a:pPr>
-                <a:endParaRPr lang="en-US" b="0" i="0" u="none" strike="noStrike" baseline="0" dirty="0">
-                  <a:solidFill>
-                    <a:schemeClr val="accent1"/>
-                  </a:solidFill>
-                </a:endParaRPr>
-              </a:p>
-              <a:p>
-                <a:pPr lvl="1"/>
-                <a:r>
-                  <a:rPr lang="en-US" b="0" i="0" u="none" strike="noStrike" baseline="0" dirty="0">
-                    <a:solidFill>
-                      <a:schemeClr val="accent1"/>
-                    </a:solidFill>
-                  </a:rPr>
-                  <a:t>The per-hop time is directly related to the </a:t>
-                </a:r>
-                <a:r>
-                  <a:rPr lang="en-US" b="1" i="1" u="none" strike="noStrike" baseline="0" dirty="0">
-                    <a:solidFill>
-                      <a:srgbClr val="FF0000"/>
-                    </a:solidFill>
-                  </a:rPr>
-                  <a:t>latency within the routing switch </a:t>
-                </a:r>
-                <a:r>
-                  <a:rPr lang="en-US" b="0" i="0" u="none" strike="noStrike" baseline="0" dirty="0">
-                    <a:solidFill>
-                      <a:schemeClr val="accent1"/>
-                    </a:solidFill>
-                  </a:rPr>
-                  <a:t>for determining which output buffer or channel the message should be forwarded to.</a:t>
-                </a:r>
-                <a:endParaRPr lang="en-US" b="1" i="1" dirty="0">
-                  <a:solidFill>
-                    <a:schemeClr val="accent1"/>
-                  </a:solidFill>
-                </a:endParaRPr>
-              </a:p>
-            </p:txBody>
-          </p:sp>
-        </mc:Choice>
-        <mc:Fallback>
-          <p:sp>
-            <p:nvSpPr>
-              <p:cNvPr id="3" name="Content Placeholder 2">
-                <a:extLst>
-                  <a:ext uri="{FF2B5EF4-FFF2-40B4-BE49-F238E27FC236}">
-                    <a16:creationId xmlns:a16="http://schemas.microsoft.com/office/drawing/2014/main" id="{FA9CBBD1-69C8-4B08-85DB-7A4BE9979ED3}"/>
-                  </a:ext>
-                </a:extLst>
-              </p:cNvPr>
-              <p:cNvSpPr>
-                <a:spLocks noGrp="1" noRot="1" noChangeAspect="1" noMove="1" noResize="1" noEditPoints="1" noAdjustHandles="1" noChangeArrowheads="1" noChangeShapeType="1" noTextEdit="1"/>
-              </p:cNvSpPr>
-              <p:nvPr>
-                <p:ph idx="1"/>
-              </p:nvPr>
-            </p:nvSpPr>
-            <p:spPr>
-              <a:blipFill>
-                <a:blip r:embed="rId2"/>
-                <a:stretch>
-                  <a:fillRect l="-1217" t="-3081"/>
-                </a:stretch>
-              </a:blipFill>
-            </p:spPr>
-            <p:txBody>
-              <a:bodyPr/>
-              <a:lstStyle/>
-              <a:p>
-                <a:r>
-                  <a:rPr lang="en-US">
-                    <a:noFill/>
-                  </a:rPr>
-                  <a:t> </a:t>
-                </a:r>
-              </a:p>
-            </p:txBody>
-          </p:sp>
-        </mc:Fallback>
-      </mc:AlternateContent>
-    </p:spTree>
-    <p:extLst>
-      <p:ext uri="{BB962C8B-B14F-4D97-AF65-F5344CB8AC3E}">
-        <p14:creationId xmlns:p14="http://schemas.microsoft.com/office/powerpoint/2010/main" val="2093522485"/>
       </p:ext>
     </p:extLst>
   </p:cSld>
@@ -13579,8 +13908,613 @@
           </a:p>
         </p:txBody>
       </p:sp>
-      <mc:AlternateContent xmlns:mc="http://schemas.openxmlformats.org/markup-compatibility/2006">
-        <mc:Choice xmlns:a14="http://schemas.microsoft.com/office/drawing/2010/main" Requires="a14">
+      <mc:AlternateContent xmlns:mc="http://schemas.openxmlformats.org/markup-compatibility/2006" xmlns:a14="http://schemas.microsoft.com/office/drawing/2010/main">
+        <mc:Choice Requires="a14">
+          <p:sp>
+            <p:nvSpPr>
+              <p:cNvPr id="3" name="Content Placeholder 2">
+                <a:extLst>
+                  <a:ext uri="{FF2B5EF4-FFF2-40B4-BE49-F238E27FC236}">
+                    <a16:creationId xmlns:a16="http://schemas.microsoft.com/office/drawing/2014/main" id="{FA9CBBD1-69C8-4B08-85DB-7A4BE9979ED3}"/>
+                  </a:ext>
+                </a:extLst>
+              </p:cNvPr>
+              <p:cNvSpPr>
+                <a:spLocks noGrp="1"/>
+              </p:cNvSpPr>
+              <p:nvPr>
+                <p:ph idx="1"/>
+              </p:nvPr>
+            </p:nvSpPr>
+            <p:spPr/>
+            <p:txBody>
+              <a:bodyPr>
+                <a:normAutofit lnSpcReduction="10000"/>
+              </a:bodyPr>
+              <a:lstStyle/>
+              <a:p>
+                <a:pPr marL="0" indent="0">
+                  <a:buNone/>
+                </a:pPr>
+                <a:r>
+                  <a:rPr lang="en-US" b="1" i="1" u="sng" dirty="0">
+                    <a:solidFill>
+                      <a:srgbClr val="FF0000"/>
+                    </a:solidFill>
+                  </a:rPr>
+                  <a:t>Startup time</a:t>
+                </a:r>
+                <a:r>
+                  <a:rPr lang="en-US" dirty="0">
+                    <a:solidFill>
+                      <a:srgbClr val="FF0000"/>
+                    </a:solidFill>
+                  </a:rPr>
+                  <a:t> </a:t>
+                </a:r>
+                <a14:m>
+                  <m:oMath xmlns:m="http://schemas.openxmlformats.org/officeDocument/2006/math">
+                    <m:sSub>
+                      <m:sSubPr>
+                        <m:ctrlPr>
+                          <a:rPr lang="en-US" i="1" smtClean="0">
+                            <a:solidFill>
+                              <a:schemeClr val="tx2"/>
+                            </a:solidFill>
+                            <a:latin typeface="Cambria Math" panose="02040503050406030204" pitchFamily="18" charset="0"/>
+                          </a:rPr>
+                        </m:ctrlPr>
+                      </m:sSubPr>
+                      <m:e>
+                        <m:r>
+                          <a:rPr lang="en-US" b="0" i="1" smtClean="0">
+                            <a:solidFill>
+                              <a:schemeClr val="tx2"/>
+                            </a:solidFill>
+                            <a:latin typeface="Cambria Math" panose="02040503050406030204" pitchFamily="18" charset="0"/>
+                          </a:rPr>
+                          <m:t>𝑡</m:t>
+                        </m:r>
+                      </m:e>
+                      <m:sub>
+                        <m:r>
+                          <a:rPr lang="en-US" b="0" i="1" smtClean="0">
+                            <a:solidFill>
+                              <a:schemeClr val="tx2"/>
+                            </a:solidFill>
+                            <a:latin typeface="Cambria Math" panose="02040503050406030204" pitchFamily="18" charset="0"/>
+                          </a:rPr>
+                          <m:t>𝑠</m:t>
+                        </m:r>
+                      </m:sub>
+                    </m:sSub>
+                  </m:oMath>
+                </a14:m>
+                <a:endParaRPr lang="en-US" b="1" i="1" dirty="0">
+                  <a:solidFill>
+                    <a:srgbClr val="FF0000"/>
+                  </a:solidFill>
+                </a:endParaRPr>
+              </a:p>
+              <a:p>
+                <a:pPr marL="0" indent="0">
+                  <a:buNone/>
+                </a:pPr>
+                <a:endParaRPr lang="en-US" b="1" i="1" dirty="0">
+                  <a:solidFill>
+                    <a:srgbClr val="FF0000"/>
+                  </a:solidFill>
+                </a:endParaRPr>
+              </a:p>
+              <a:p>
+                <a:pPr lvl="1"/>
+                <a:r>
+                  <a:rPr lang="en-US" dirty="0">
+                    <a:solidFill>
+                      <a:schemeClr val="accent1"/>
+                    </a:solidFill>
+                  </a:rPr>
+                  <a:t>The startup time is the time required to handle a message at the sending and receiving processors. </a:t>
+                </a:r>
+              </a:p>
+              <a:p>
+                <a:pPr marL="457200" lvl="1" indent="0">
+                  <a:buNone/>
+                </a:pPr>
+                <a:endParaRPr lang="en-US" dirty="0">
+                  <a:solidFill>
+                    <a:schemeClr val="accent1"/>
+                  </a:solidFill>
+                </a:endParaRPr>
+              </a:p>
+              <a:p>
+                <a:pPr lvl="1"/>
+                <a:r>
+                  <a:rPr lang="en-US" dirty="0">
+                    <a:solidFill>
+                      <a:schemeClr val="accent1"/>
+                    </a:solidFill>
+                  </a:rPr>
+                  <a:t>This includes </a:t>
+                </a:r>
+              </a:p>
+              <a:p>
+                <a:pPr lvl="2"/>
+                <a:r>
+                  <a:rPr lang="en-US" dirty="0">
+                    <a:solidFill>
+                      <a:schemeClr val="accent1"/>
+                    </a:solidFill>
+                  </a:rPr>
+                  <a:t>the time to prepare the message (adding header, trailer, and error correction information)</a:t>
+                </a:r>
+              </a:p>
+              <a:p>
+                <a:pPr lvl="2"/>
+                <a:r>
+                  <a:rPr lang="en-US" dirty="0">
+                    <a:solidFill>
+                      <a:schemeClr val="accent1"/>
+                    </a:solidFill>
+                  </a:rPr>
+                  <a:t>the time to execute the routing algorithm</a:t>
+                </a:r>
+              </a:p>
+              <a:p>
+                <a:pPr lvl="2"/>
+                <a:r>
+                  <a:rPr lang="en-US" dirty="0">
+                    <a:solidFill>
+                      <a:schemeClr val="accent1"/>
+                    </a:solidFill>
+                  </a:rPr>
+                  <a:t>the time to establish an interface between the local node and the router</a:t>
+                </a:r>
+              </a:p>
+              <a:p>
+                <a:pPr marL="914400" lvl="2" indent="0">
+                  <a:buNone/>
+                </a:pPr>
+                <a:endParaRPr lang="en-US" dirty="0">
+                  <a:solidFill>
+                    <a:schemeClr val="accent1"/>
+                  </a:solidFill>
+                </a:endParaRPr>
+              </a:p>
+              <a:p>
+                <a:pPr lvl="1"/>
+                <a:r>
+                  <a:rPr lang="en-US" dirty="0">
+                    <a:solidFill>
+                      <a:schemeClr val="accent1"/>
+                    </a:solidFill>
+                  </a:rPr>
+                  <a:t>This delay is incurred only once for a single message transfer.</a:t>
+                </a:r>
+                <a:endParaRPr lang="en-US" i="1" dirty="0">
+                  <a:solidFill>
+                    <a:schemeClr val="accent1"/>
+                  </a:solidFill>
+                </a:endParaRPr>
+              </a:p>
+            </p:txBody>
+          </p:sp>
+        </mc:Choice>
+        <mc:Fallback xmlns="">
+          <p:sp>
+            <p:nvSpPr>
+              <p:cNvPr id="3" name="Content Placeholder 2">
+                <a:extLst>
+                  <a:ext uri="{FF2B5EF4-FFF2-40B4-BE49-F238E27FC236}">
+                    <a16:creationId xmlns:a16="http://schemas.microsoft.com/office/drawing/2014/main" id="{FA9CBBD1-69C8-4B08-85DB-7A4BE9979ED3}"/>
+                  </a:ext>
+                </a:extLst>
+              </p:cNvPr>
+              <p:cNvSpPr>
+                <a:spLocks noGrp="1" noRot="1" noChangeAspect="1" noMove="1" noResize="1" noEditPoints="1" noAdjustHandles="1" noChangeArrowheads="1" noChangeShapeType="1" noTextEdit="1"/>
+              </p:cNvSpPr>
+              <p:nvPr>
+                <p:ph idx="1"/>
+              </p:nvPr>
+            </p:nvSpPr>
+            <p:spPr>
+              <a:blipFill>
+                <a:blip r:embed="rId2"/>
+                <a:stretch>
+                  <a:fillRect l="-1217" t="-3081" r="-348"/>
+                </a:stretch>
+              </a:blipFill>
+            </p:spPr>
+            <p:txBody>
+              <a:bodyPr/>
+              <a:lstStyle/>
+              <a:p>
+                <a:r>
+                  <a:rPr lang="en-US">
+                    <a:noFill/>
+                  </a:rPr>
+                  <a:t> </a:t>
+                </a:r>
+              </a:p>
+            </p:txBody>
+          </p:sp>
+        </mc:Fallback>
+      </mc:AlternateContent>
+    </p:spTree>
+    <p:extLst>
+      <p:ext uri="{BB962C8B-B14F-4D97-AF65-F5344CB8AC3E}">
+        <p14:creationId xmlns:p14="http://schemas.microsoft.com/office/powerpoint/2010/main" val="2783496136"/>
+      </p:ext>
+    </p:extLst>
+  </p:cSld>
+  <p:clrMapOvr>
+    <a:masterClrMapping/>
+  </p:clrMapOvr>
+</p:sld>
+</file>
+
+<file path=ppt/slides/slide35.xml><?xml version="1.0" encoding="utf-8"?>
+<p:sld xmlns:a="http://schemas.openxmlformats.org/drawingml/2006/main" xmlns:r="http://schemas.openxmlformats.org/officeDocument/2006/relationships" xmlns:p="http://schemas.openxmlformats.org/presentationml/2006/main">
+  <p:cSld>
+    <p:spTree>
+      <p:nvGrpSpPr>
+        <p:cNvPr id="1" name=""/>
+        <p:cNvGrpSpPr/>
+        <p:nvPr/>
+      </p:nvGrpSpPr>
+      <p:grpSpPr>
+        <a:xfrm>
+          <a:off x="0" y="0"/>
+          <a:ext cx="0" cy="0"/>
+          <a:chOff x="0" y="0"/>
+          <a:chExt cx="0" cy="0"/>
+        </a:xfrm>
+      </p:grpSpPr>
+      <p:sp>
+        <p:nvSpPr>
+          <p:cNvPr id="2" name="Title 1">
+            <a:extLst>
+              <a:ext uri="{FF2B5EF4-FFF2-40B4-BE49-F238E27FC236}">
+                <a16:creationId xmlns:a16="http://schemas.microsoft.com/office/drawing/2014/main" id="{CAA0167B-C076-4A0F-A69F-28ECFEDDE376}"/>
+              </a:ext>
+            </a:extLst>
+          </p:cNvPr>
+          <p:cNvSpPr>
+            <a:spLocks noGrp="1"/>
+          </p:cNvSpPr>
+          <p:nvPr>
+            <p:ph type="title"/>
+          </p:nvPr>
+        </p:nvSpPr>
+        <p:spPr/>
+        <p:txBody>
+          <a:bodyPr/>
+          <a:lstStyle/>
+          <a:p>
+            <a:r>
+              <a:rPr lang="en-US" dirty="0">
+                <a:solidFill>
+                  <a:schemeClr val="accent1"/>
+                </a:solidFill>
+              </a:rPr>
+              <a:t>Message Passing Cost</a:t>
+            </a:r>
+            <a:endParaRPr lang="en-US" dirty="0"/>
+          </a:p>
+        </p:txBody>
+      </p:sp>
+      <mc:AlternateContent xmlns:mc="http://schemas.openxmlformats.org/markup-compatibility/2006" xmlns:a14="http://schemas.microsoft.com/office/drawing/2010/main">
+        <mc:Choice Requires="a14">
+          <p:sp>
+            <p:nvSpPr>
+              <p:cNvPr id="3" name="Content Placeholder 2">
+                <a:extLst>
+                  <a:ext uri="{FF2B5EF4-FFF2-40B4-BE49-F238E27FC236}">
+                    <a16:creationId xmlns:a16="http://schemas.microsoft.com/office/drawing/2014/main" id="{FA9CBBD1-69C8-4B08-85DB-7A4BE9979ED3}"/>
+                  </a:ext>
+                </a:extLst>
+              </p:cNvPr>
+              <p:cNvSpPr>
+                <a:spLocks noGrp="1"/>
+              </p:cNvSpPr>
+              <p:nvPr>
+                <p:ph idx="1"/>
+              </p:nvPr>
+            </p:nvSpPr>
+            <p:spPr/>
+            <p:txBody>
+              <a:bodyPr>
+                <a:normAutofit lnSpcReduction="10000"/>
+              </a:bodyPr>
+              <a:lstStyle/>
+              <a:p>
+                <a:pPr marL="0" indent="0" algn="l">
+                  <a:buNone/>
+                </a:pPr>
+                <a:r>
+                  <a:rPr lang="en-US" b="1" i="1" u="sng" dirty="0">
+                    <a:solidFill>
+                      <a:srgbClr val="FF0000"/>
+                    </a:solidFill>
+                  </a:rPr>
+                  <a:t>Per-hop time</a:t>
+                </a:r>
+                <a:r>
+                  <a:rPr lang="en-US" b="1" i="1" dirty="0">
+                    <a:solidFill>
+                      <a:srgbClr val="FF0000"/>
+                    </a:solidFill>
+                  </a:rPr>
+                  <a:t> </a:t>
+                </a:r>
+                <a14:m>
+                  <m:oMath xmlns:m="http://schemas.openxmlformats.org/officeDocument/2006/math">
+                    <m:sSub>
+                      <m:sSubPr>
+                        <m:ctrlPr>
+                          <a:rPr lang="en-US" i="1" smtClean="0">
+                            <a:solidFill>
+                              <a:schemeClr val="tx2"/>
+                            </a:solidFill>
+                            <a:latin typeface="Cambria Math" panose="02040503050406030204" pitchFamily="18" charset="0"/>
+                          </a:rPr>
+                        </m:ctrlPr>
+                      </m:sSubPr>
+                      <m:e>
+                        <m:r>
+                          <a:rPr lang="en-US" b="0" i="1" smtClean="0">
+                            <a:solidFill>
+                              <a:schemeClr val="tx2"/>
+                            </a:solidFill>
+                            <a:latin typeface="Cambria Math" panose="02040503050406030204" pitchFamily="18" charset="0"/>
+                          </a:rPr>
+                          <m:t>𝑡</m:t>
+                        </m:r>
+                      </m:e>
+                      <m:sub>
+                        <m:r>
+                          <a:rPr lang="en-US" b="0" i="1" smtClean="0">
+                            <a:solidFill>
+                              <a:schemeClr val="tx2"/>
+                            </a:solidFill>
+                            <a:latin typeface="Cambria Math" panose="02040503050406030204" pitchFamily="18" charset="0"/>
+                          </a:rPr>
+                          <m:t>h</m:t>
+                        </m:r>
+                      </m:sub>
+                    </m:sSub>
+                  </m:oMath>
+                </a14:m>
+                <a:endParaRPr lang="en-US" sz="2600" b="0" i="0" u="none" strike="noStrike" baseline="0" dirty="0">
+                  <a:solidFill>
+                    <a:schemeClr val="accent1"/>
+                  </a:solidFill>
+                </a:endParaRPr>
+              </a:p>
+              <a:p>
+                <a:pPr marL="0" indent="0" algn="l">
+                  <a:buNone/>
+                </a:pPr>
+                <a:endParaRPr lang="en-US" sz="2600" b="0" i="0" u="none" strike="noStrike" baseline="0" dirty="0">
+                  <a:solidFill>
+                    <a:schemeClr val="accent1"/>
+                  </a:solidFill>
+                </a:endParaRPr>
+              </a:p>
+              <a:p>
+                <a:pPr lvl="1"/>
+                <a:r>
+                  <a:rPr lang="en-US" b="0" i="0" u="none" strike="noStrike" baseline="0" dirty="0">
+                    <a:solidFill>
+                      <a:schemeClr val="accent1"/>
+                    </a:solidFill>
+                  </a:rPr>
+                  <a:t>After a message leaves a node, it takes a finite amount of time to reach the next node in its path. </a:t>
+                </a:r>
+              </a:p>
+              <a:p>
+                <a:pPr marL="457200" lvl="1" indent="0">
+                  <a:buNone/>
+                </a:pPr>
+                <a:endParaRPr lang="en-US" b="0" i="0" u="none" strike="noStrike" baseline="0" dirty="0">
+                  <a:solidFill>
+                    <a:schemeClr val="accent1"/>
+                  </a:solidFill>
+                </a:endParaRPr>
+              </a:p>
+              <a:p>
+                <a:pPr lvl="1"/>
+                <a:r>
+                  <a:rPr lang="en-US" b="0" i="0" u="none" strike="noStrike" baseline="0" dirty="0">
+                    <a:solidFill>
+                      <a:schemeClr val="accent1"/>
+                    </a:solidFill>
+                  </a:rPr>
+                  <a:t>The time taken by the header of a message to travel between two directly-connected nodes in the network is called </a:t>
+                </a:r>
+                <a:r>
+                  <a:rPr lang="en-US" b="1" i="1" u="none" strike="noStrike" baseline="0" dirty="0">
+                    <a:solidFill>
+                      <a:srgbClr val="FF0000"/>
+                    </a:solidFill>
+                  </a:rPr>
+                  <a:t>the per-hop time</a:t>
+                </a:r>
+                <a:r>
+                  <a:rPr lang="en-US" b="0" i="0" u="none" strike="noStrike" baseline="0" dirty="0">
+                    <a:solidFill>
+                      <a:schemeClr val="accent1"/>
+                    </a:solidFill>
+                  </a:rPr>
+                  <a:t>, also known as </a:t>
+                </a:r>
+                <a:r>
+                  <a:rPr lang="en-US" b="1" i="1" u="none" strike="noStrike" baseline="0" dirty="0">
+                    <a:solidFill>
+                      <a:srgbClr val="FF0000"/>
+                    </a:solidFill>
+                  </a:rPr>
+                  <a:t>node latency</a:t>
+                </a:r>
+                <a:r>
+                  <a:rPr lang="en-US" b="0" i="0" u="none" strike="noStrike" baseline="0" dirty="0">
+                    <a:solidFill>
+                      <a:schemeClr val="accent1"/>
+                    </a:solidFill>
+                  </a:rPr>
+                  <a:t>. </a:t>
+                </a:r>
+              </a:p>
+              <a:p>
+                <a:pPr marL="457200" lvl="1" indent="0">
+                  <a:buNone/>
+                </a:pPr>
+                <a:endParaRPr lang="en-US" b="0" i="0" u="none" strike="noStrike" baseline="0" dirty="0">
+                  <a:solidFill>
+                    <a:schemeClr val="accent1"/>
+                  </a:solidFill>
+                </a:endParaRPr>
+              </a:p>
+              <a:p>
+                <a:pPr lvl="1"/>
+                <a:r>
+                  <a:rPr lang="en-US" b="0" i="0" u="none" strike="noStrike" baseline="0" dirty="0">
+                    <a:solidFill>
+                      <a:schemeClr val="accent1"/>
+                    </a:solidFill>
+                  </a:rPr>
+                  <a:t>The per-hop time is directly related to the </a:t>
+                </a:r>
+                <a:r>
+                  <a:rPr lang="en-US" b="1" i="1" u="none" strike="noStrike" baseline="0" dirty="0">
+                    <a:solidFill>
+                      <a:srgbClr val="FF0000"/>
+                    </a:solidFill>
+                  </a:rPr>
+                  <a:t>latency within the routing switch </a:t>
+                </a:r>
+                <a:r>
+                  <a:rPr lang="en-US" b="0" i="0" u="none" strike="noStrike" baseline="0" dirty="0">
+                    <a:solidFill>
+                      <a:schemeClr val="accent1"/>
+                    </a:solidFill>
+                  </a:rPr>
+                  <a:t>for determining which output buffer or channel the message should be forwarded to.</a:t>
+                </a:r>
+                <a:endParaRPr lang="en-US" b="1" i="1" dirty="0">
+                  <a:solidFill>
+                    <a:schemeClr val="accent1"/>
+                  </a:solidFill>
+                </a:endParaRPr>
+              </a:p>
+            </p:txBody>
+          </p:sp>
+        </mc:Choice>
+        <mc:Fallback xmlns="">
+          <p:sp>
+            <p:nvSpPr>
+              <p:cNvPr id="3" name="Content Placeholder 2">
+                <a:extLst>
+                  <a:ext uri="{FF2B5EF4-FFF2-40B4-BE49-F238E27FC236}">
+                    <a16:creationId xmlns:a16="http://schemas.microsoft.com/office/drawing/2014/main" id="{FA9CBBD1-69C8-4B08-85DB-7A4BE9979ED3}"/>
+                  </a:ext>
+                </a:extLst>
+              </p:cNvPr>
+              <p:cNvSpPr>
+                <a:spLocks noGrp="1" noRot="1" noChangeAspect="1" noMove="1" noResize="1" noEditPoints="1" noAdjustHandles="1" noChangeArrowheads="1" noChangeShapeType="1" noTextEdit="1"/>
+              </p:cNvSpPr>
+              <p:nvPr>
+                <p:ph idx="1"/>
+              </p:nvPr>
+            </p:nvSpPr>
+            <p:spPr>
+              <a:blipFill>
+                <a:blip r:embed="rId2"/>
+                <a:stretch>
+                  <a:fillRect l="-1217" t="-3081"/>
+                </a:stretch>
+              </a:blipFill>
+            </p:spPr>
+            <p:txBody>
+              <a:bodyPr/>
+              <a:lstStyle/>
+              <a:p>
+                <a:r>
+                  <a:rPr lang="en-US">
+                    <a:noFill/>
+                  </a:rPr>
+                  <a:t> </a:t>
+                </a:r>
+              </a:p>
+            </p:txBody>
+          </p:sp>
+        </mc:Fallback>
+      </mc:AlternateContent>
+    </p:spTree>
+    <p:extLst>
+      <p:ext uri="{BB962C8B-B14F-4D97-AF65-F5344CB8AC3E}">
+        <p14:creationId xmlns:p14="http://schemas.microsoft.com/office/powerpoint/2010/main" val="2093522485"/>
+      </p:ext>
+    </p:extLst>
+  </p:cSld>
+  <p:clrMapOvr>
+    <a:masterClrMapping/>
+  </p:clrMapOvr>
+</p:sld>
+</file>
+
+<file path=ppt/slides/slide36.xml><?xml version="1.0" encoding="utf-8"?>
+<p:sld xmlns:a="http://schemas.openxmlformats.org/drawingml/2006/main" xmlns:r="http://schemas.openxmlformats.org/officeDocument/2006/relationships" xmlns:p="http://schemas.openxmlformats.org/presentationml/2006/main">
+  <p:cSld>
+    <p:spTree>
+      <p:nvGrpSpPr>
+        <p:cNvPr id="1" name=""/>
+        <p:cNvGrpSpPr/>
+        <p:nvPr/>
+      </p:nvGrpSpPr>
+      <p:grpSpPr>
+        <a:xfrm>
+          <a:off x="0" y="0"/>
+          <a:ext cx="0" cy="0"/>
+          <a:chOff x="0" y="0"/>
+          <a:chExt cx="0" cy="0"/>
+        </a:xfrm>
+      </p:grpSpPr>
+      <p:sp>
+        <p:nvSpPr>
+          <p:cNvPr id="2" name="Title 1">
+            <a:extLst>
+              <a:ext uri="{FF2B5EF4-FFF2-40B4-BE49-F238E27FC236}">
+                <a16:creationId xmlns:a16="http://schemas.microsoft.com/office/drawing/2014/main" id="{CAA0167B-C076-4A0F-A69F-28ECFEDDE376}"/>
+              </a:ext>
+            </a:extLst>
+          </p:cNvPr>
+          <p:cNvSpPr>
+            <a:spLocks noGrp="1"/>
+          </p:cNvSpPr>
+          <p:nvPr>
+            <p:ph type="title"/>
+          </p:nvPr>
+        </p:nvSpPr>
+        <p:spPr/>
+        <p:txBody>
+          <a:bodyPr/>
+          <a:lstStyle/>
+          <a:p>
+            <a:r>
+              <a:rPr lang="en-US" dirty="0">
+                <a:solidFill>
+                  <a:schemeClr val="accent1"/>
+                </a:solidFill>
+              </a:rPr>
+              <a:t>Message Passing Cost</a:t>
+            </a:r>
+            <a:endParaRPr lang="en-US" dirty="0"/>
+          </a:p>
+        </p:txBody>
+      </p:sp>
+      <mc:AlternateContent xmlns:mc="http://schemas.openxmlformats.org/markup-compatibility/2006" xmlns:a14="http://schemas.microsoft.com/office/drawing/2010/main">
+        <mc:Choice Requires="a14">
           <p:sp>
             <p:nvSpPr>
               <p:cNvPr id="3" name="Content Placeholder 2">
@@ -13863,7 +14797,7 @@
             </p:txBody>
           </p:sp>
         </mc:Choice>
-        <mc:Fallback>
+        <mc:Fallback xmlns="">
           <p:sp>
             <p:nvSpPr>
               <p:cNvPr id="3" name="Content Placeholder 2">
@@ -13916,7 +14850,7 @@
 </p:sld>
 </file>
 
-<file path=ppt/slides/slide35.xml><?xml version="1.0" encoding="utf-8"?>
+<file path=ppt/slides/slide37.xml><?xml version="1.0" encoding="utf-8"?>
 <p:sld xmlns:a="http://schemas.openxmlformats.org/drawingml/2006/main" xmlns:r="http://schemas.openxmlformats.org/officeDocument/2006/relationships" xmlns:p="http://schemas.openxmlformats.org/presentationml/2006/main">
   <p:cSld>
     <p:spTree>
@@ -14135,7 +15069,7 @@
 </p:sld>
 </file>
 
-<file path=ppt/slides/slide36.xml><?xml version="1.0" encoding="utf-8"?>
+<file path=ppt/slides/slide38.xml><?xml version="1.0" encoding="utf-8"?>
 <p:sld xmlns:a="http://schemas.openxmlformats.org/drawingml/2006/main" xmlns:r="http://schemas.openxmlformats.org/officeDocument/2006/relationships" xmlns:p="http://schemas.openxmlformats.org/presentationml/2006/main">
   <p:cSld>
     <p:spTree>
@@ -14184,8 +15118,8 @@
           </a:p>
         </p:txBody>
       </p:sp>
-      <mc:AlternateContent xmlns:mc="http://schemas.openxmlformats.org/markup-compatibility/2006">
-        <mc:Choice xmlns:a14="http://schemas.microsoft.com/office/drawing/2010/main" Requires="a14">
+      <mc:AlternateContent xmlns:mc="http://schemas.openxmlformats.org/markup-compatibility/2006" xmlns:a14="http://schemas.microsoft.com/office/drawing/2010/main">
+        <mc:Choice Requires="a14">
           <p:sp>
             <p:nvSpPr>
               <p:cNvPr id="3" name="Content Placeholder 2">
@@ -14921,7 +15855,7 @@
             </p:txBody>
           </p:sp>
         </mc:Choice>
-        <mc:Fallback>
+        <mc:Fallback xmlns="">
           <p:sp>
             <p:nvSpPr>
               <p:cNvPr id="3" name="Content Placeholder 2">
@@ -14974,7 +15908,7 @@
 </p:sld>
 </file>
 
-<file path=ppt/slides/slide37.xml><?xml version="1.0" encoding="utf-8"?>
+<file path=ppt/slides/slide39.xml><?xml version="1.0" encoding="utf-8"?>
 <p:sld xmlns:a="http://schemas.openxmlformats.org/drawingml/2006/main" xmlns:r="http://schemas.openxmlformats.org/officeDocument/2006/relationships" xmlns:p="http://schemas.openxmlformats.org/presentationml/2006/main">
   <p:cSld>
     <p:spTree>
@@ -15246,7 +16180,381 @@
 </p:sld>
 </file>
 
-<file path=ppt/slides/slide38.xml><?xml version="1.0" encoding="utf-8"?>
+<file path=ppt/slides/slide4.xml><?xml version="1.0" encoding="utf-8"?>
+<p:sld xmlns:a="http://schemas.openxmlformats.org/drawingml/2006/main" xmlns:r="http://schemas.openxmlformats.org/officeDocument/2006/relationships" xmlns:p="http://schemas.openxmlformats.org/presentationml/2006/main">
+  <p:cSld>
+    <p:spTree>
+      <p:nvGrpSpPr>
+        <p:cNvPr id="1" name=""/>
+        <p:cNvGrpSpPr/>
+        <p:nvPr/>
+      </p:nvGrpSpPr>
+      <p:grpSpPr>
+        <a:xfrm>
+          <a:off x="0" y="0"/>
+          <a:ext cx="0" cy="0"/>
+          <a:chOff x="0" y="0"/>
+          <a:chExt cx="0" cy="0"/>
+        </a:xfrm>
+      </p:grpSpPr>
+      <p:sp>
+        <p:nvSpPr>
+          <p:cNvPr id="2" name="Title 1">
+            <a:extLst>
+              <a:ext uri="{FF2B5EF4-FFF2-40B4-BE49-F238E27FC236}">
+                <a16:creationId xmlns:a16="http://schemas.microsoft.com/office/drawing/2014/main" id="{D1BA40ED-6B7C-476C-B149-24F6186717C8}"/>
+              </a:ext>
+            </a:extLst>
+          </p:cNvPr>
+          <p:cNvSpPr>
+            <a:spLocks noGrp="1"/>
+          </p:cNvSpPr>
+          <p:nvPr>
+            <p:ph type="title"/>
+          </p:nvPr>
+        </p:nvSpPr>
+        <p:spPr/>
+        <p:txBody>
+          <a:bodyPr/>
+          <a:lstStyle/>
+          <a:p>
+            <a:r>
+              <a:rPr lang="en-US" dirty="0">
+                <a:solidFill>
+                  <a:schemeClr val="accent1"/>
+                </a:solidFill>
+              </a:rPr>
+              <a:t>Bus-Based Network</a:t>
+            </a:r>
+          </a:p>
+        </p:txBody>
+      </p:sp>
+      <mc:AlternateContent xmlns:mc="http://schemas.openxmlformats.org/markup-compatibility/2006" xmlns:a14="http://schemas.microsoft.com/office/drawing/2010/main">
+        <mc:Choice Requires="a14">
+          <p:sp>
+            <p:nvSpPr>
+              <p:cNvPr id="3" name="Content Placeholder 2">
+                <a:extLst>
+                  <a:ext uri="{FF2B5EF4-FFF2-40B4-BE49-F238E27FC236}">
+                    <a16:creationId xmlns:a16="http://schemas.microsoft.com/office/drawing/2014/main" id="{6EE1E063-375C-4982-BA3B-E4F7B77EA9CA}"/>
+                  </a:ext>
+                </a:extLst>
+              </p:cNvPr>
+              <p:cNvSpPr>
+                <a:spLocks noGrp="1"/>
+              </p:cNvSpPr>
+              <p:nvPr>
+                <p:ph idx="1"/>
+              </p:nvPr>
+            </p:nvSpPr>
+            <p:spPr/>
+            <p:txBody>
+              <a:bodyPr>
+                <a:normAutofit/>
+              </a:bodyPr>
+              <a:lstStyle/>
+              <a:p>
+                <a:pPr marL="0" indent="0">
+                  <a:buNone/>
+                </a:pPr>
+                <a:r>
+                  <a:rPr lang="en-US" b="1" i="1" u="sng" dirty="0">
+                    <a:solidFill>
+                      <a:srgbClr val="FF0000"/>
+                    </a:solidFill>
+                  </a:rPr>
+                  <a:t>Advantages</a:t>
+                </a:r>
+                <a:r>
+                  <a:rPr lang="en-US" b="1" i="1" dirty="0">
+                    <a:solidFill>
+                      <a:srgbClr val="FF0000"/>
+                    </a:solidFill>
+                  </a:rPr>
+                  <a:t>:</a:t>
+                </a:r>
+                <a:endParaRPr lang="en-US" dirty="0">
+                  <a:solidFill>
+                    <a:schemeClr val="accent1"/>
+                  </a:solidFill>
+                </a:endParaRPr>
+              </a:p>
+              <a:p>
+                <a:pPr lvl="1"/>
+                <a:r>
+                  <a:rPr lang="en-US" dirty="0">
+                    <a:solidFill>
+                      <a:schemeClr val="accent1"/>
+                    </a:solidFill>
+                  </a:rPr>
+                  <a:t>Cost scales linearly with the number of nodes </a:t>
+                </a:r>
+                <a14:m>
+                  <m:oMath xmlns:m="http://schemas.openxmlformats.org/officeDocument/2006/math">
+                    <m:r>
+                      <a:rPr lang="en-US" b="0" i="1" smtClean="0">
+                        <a:solidFill>
+                          <a:schemeClr val="tx1"/>
+                        </a:solidFill>
+                        <a:latin typeface="Cambria Math" panose="02040503050406030204" pitchFamily="18" charset="0"/>
+                      </a:rPr>
+                      <m:t>𝑝</m:t>
+                    </m:r>
+                  </m:oMath>
+                </a14:m>
+                <a:r>
+                  <a:rPr lang="en-US" dirty="0">
+                    <a:solidFill>
+                      <a:schemeClr val="accent1"/>
+                    </a:solidFill>
+                  </a:rPr>
+                  <a:t>: </a:t>
+                </a:r>
+                <a14:m>
+                  <m:oMath xmlns:m="http://schemas.openxmlformats.org/officeDocument/2006/math">
+                    <m:r>
+                      <m:rPr>
+                        <m:sty m:val="p"/>
+                      </m:rPr>
+                      <a:rPr lang="en-US" b="0" i="0" smtClean="0">
+                        <a:latin typeface="Cambria Math" panose="02040503050406030204" pitchFamily="18" charset="0"/>
+                      </a:rPr>
+                      <m:t>O</m:t>
+                    </m:r>
+                    <m:r>
+                      <a:rPr lang="en-US" b="0" i="0" smtClean="0">
+                        <a:latin typeface="Cambria Math" panose="02040503050406030204" pitchFamily="18" charset="0"/>
+                      </a:rPr>
+                      <m:t>(</m:t>
+                    </m:r>
+                    <m:r>
+                      <a:rPr lang="en-US" i="1">
+                        <a:latin typeface="Cambria Math" panose="02040503050406030204" pitchFamily="18" charset="0"/>
+                      </a:rPr>
+                      <m:t>𝑝</m:t>
+                    </m:r>
+                    <m:r>
+                      <a:rPr lang="en-US" b="0" i="1" smtClean="0">
+                        <a:latin typeface="Cambria Math" panose="02040503050406030204" pitchFamily="18" charset="0"/>
+                      </a:rPr>
+                      <m:t>)</m:t>
+                    </m:r>
+                  </m:oMath>
+                </a14:m>
+                <a:r>
+                  <a:rPr lang="en-US" dirty="0">
+                    <a:solidFill>
+                      <a:schemeClr val="accent1"/>
+                    </a:solidFill>
+                  </a:rPr>
+                  <a:t>.</a:t>
+                </a:r>
+              </a:p>
+              <a:p>
+                <a:pPr lvl="1"/>
+                <a:r>
+                  <a:rPr lang="en-US" dirty="0">
+                    <a:solidFill>
+                      <a:schemeClr val="accent1"/>
+                    </a:solidFill>
+                  </a:rPr>
+                  <a:t>Distance between any two node is </a:t>
+                </a:r>
+                <a14:m>
+                  <m:oMath xmlns:m="http://schemas.openxmlformats.org/officeDocument/2006/math">
+                    <m:r>
+                      <a:rPr lang="en-US" b="0" i="1" smtClean="0">
+                        <a:solidFill>
+                          <a:schemeClr val="tx1"/>
+                        </a:solidFill>
+                        <a:latin typeface="Cambria Math" panose="02040503050406030204" pitchFamily="18" charset="0"/>
+                      </a:rPr>
+                      <m:t>𝑂</m:t>
+                    </m:r>
+                    <m:r>
+                      <a:rPr lang="en-US" b="0" i="1" smtClean="0">
+                        <a:solidFill>
+                          <a:schemeClr val="tx1"/>
+                        </a:solidFill>
+                        <a:latin typeface="Cambria Math" panose="02040503050406030204" pitchFamily="18" charset="0"/>
+                      </a:rPr>
+                      <m:t>(1)</m:t>
+                    </m:r>
+                  </m:oMath>
+                </a14:m>
+                <a:r>
+                  <a:rPr lang="en-US" dirty="0">
+                    <a:solidFill>
+                      <a:schemeClr val="accent1"/>
+                    </a:solidFill>
+                  </a:rPr>
+                  <a:t>.</a:t>
+                </a:r>
+              </a:p>
+              <a:p>
+                <a:pPr lvl="1"/>
+                <a:r>
+                  <a:rPr lang="en-US" dirty="0">
+                    <a:solidFill>
+                      <a:schemeClr val="accent1"/>
+                    </a:solidFill>
+                  </a:rPr>
+                  <a:t>A bus-based machine is ideal for broadcasting information among nodes.</a:t>
+                </a:r>
+              </a:p>
+              <a:p>
+                <a:pPr marL="457200" lvl="1" indent="0">
+                  <a:buNone/>
+                </a:pPr>
+                <a:endParaRPr lang="en-US" dirty="0">
+                  <a:solidFill>
+                    <a:schemeClr val="tx1"/>
+                  </a:solidFill>
+                </a:endParaRPr>
+              </a:p>
+              <a:p>
+                <a:pPr marL="0" indent="0">
+                  <a:buNone/>
+                </a:pPr>
+                <a:r>
+                  <a:rPr lang="en-US" b="1" i="1" u="sng" dirty="0">
+                    <a:solidFill>
+                      <a:srgbClr val="FF0000"/>
+                    </a:solidFill>
+                  </a:rPr>
+                  <a:t>Disadvantages</a:t>
+                </a:r>
+                <a:r>
+                  <a:rPr lang="en-US" b="1" i="1" dirty="0">
+                    <a:solidFill>
+                      <a:srgbClr val="FF0000"/>
+                    </a:solidFill>
+                  </a:rPr>
+                  <a:t>:</a:t>
+                </a:r>
+              </a:p>
+              <a:p>
+                <a:pPr lvl="1"/>
+                <a:r>
+                  <a:rPr lang="en-US" dirty="0">
+                    <a:solidFill>
+                      <a:schemeClr val="accent1"/>
+                    </a:solidFill>
+                  </a:rPr>
+                  <a:t>Performance does not scale well as </a:t>
+                </a:r>
+                <a14:m>
+                  <m:oMath xmlns:m="http://schemas.openxmlformats.org/officeDocument/2006/math">
+                    <m:r>
+                      <a:rPr lang="en-US" b="0" i="1" smtClean="0">
+                        <a:solidFill>
+                          <a:schemeClr val="tx1"/>
+                        </a:solidFill>
+                        <a:latin typeface="Cambria Math" panose="02040503050406030204" pitchFamily="18" charset="0"/>
+                      </a:rPr>
+                      <m:t>𝑝</m:t>
+                    </m:r>
+                    <m:r>
+                      <a:rPr lang="en-US" b="0" i="1" smtClean="0">
+                        <a:solidFill>
+                          <a:schemeClr val="tx1"/>
+                        </a:solidFill>
+                        <a:latin typeface="Cambria Math" panose="02040503050406030204" pitchFamily="18" charset="0"/>
+                      </a:rPr>
+                      <m:t> </m:t>
+                    </m:r>
+                  </m:oMath>
+                </a14:m>
+                <a:r>
+                  <a:rPr lang="en-US" dirty="0">
+                    <a:solidFill>
+                      <a:schemeClr val="accent1"/>
+                    </a:solidFill>
+                  </a:rPr>
+                  <a:t>increases as a result of contention for the shared medium.</a:t>
+                </a:r>
+              </a:p>
+              <a:p>
+                <a:pPr lvl="1"/>
+                <a:r>
+                  <a:rPr lang="en-US" dirty="0">
+                    <a:solidFill>
+                      <a:schemeClr val="accent1"/>
+                    </a:solidFill>
+                  </a:rPr>
+                  <a:t>Therefore, a bus-based machine is only limited to a few dozen of nodes.</a:t>
+                </a:r>
+              </a:p>
+              <a:p>
+                <a:pPr marL="0" indent="0">
+                  <a:buNone/>
+                </a:pPr>
+                <a:r>
+                  <a:rPr lang="en-US" dirty="0">
+                    <a:solidFill>
+                      <a:schemeClr val="accent1"/>
+                    </a:solidFill>
+                  </a:rPr>
+                  <a:t>	</a:t>
+                </a:r>
+              </a:p>
+            </p:txBody>
+          </p:sp>
+        </mc:Choice>
+        <mc:Fallback xmlns="">
+          <p:sp>
+            <p:nvSpPr>
+              <p:cNvPr id="3" name="Content Placeholder 2">
+                <a:extLst>
+                  <a:ext uri="{FF2B5EF4-FFF2-40B4-BE49-F238E27FC236}">
+                    <a16:creationId xmlns:a16="http://schemas.microsoft.com/office/drawing/2014/main" id="{6EE1E063-375C-4982-BA3B-E4F7B77EA9CA}"/>
+                  </a:ext>
+                </a:extLst>
+              </p:cNvPr>
+              <p:cNvSpPr>
+                <a:spLocks noGrp="1" noRot="1" noChangeAspect="1" noMove="1" noResize="1" noEditPoints="1" noAdjustHandles="1" noChangeArrowheads="1" noChangeShapeType="1" noTextEdit="1"/>
+              </p:cNvSpPr>
+              <p:nvPr>
+                <p:ph idx="1"/>
+              </p:nvPr>
+            </p:nvSpPr>
+            <p:spPr>
+              <a:blipFill>
+                <a:blip r:embed="rId2"/>
+                <a:stretch>
+                  <a:fillRect l="-1217" t="-2241"/>
+                </a:stretch>
+              </a:blipFill>
+            </p:spPr>
+            <p:txBody>
+              <a:bodyPr/>
+              <a:lstStyle/>
+              <a:p>
+                <a:r>
+                  <a:rPr lang="en-US">
+                    <a:noFill/>
+                  </a:rPr>
+                  <a:t> </a:t>
+                </a:r>
+              </a:p>
+            </p:txBody>
+          </p:sp>
+        </mc:Fallback>
+      </mc:AlternateContent>
+    </p:spTree>
+    <p:extLst>
+      <p:ext uri="{BB962C8B-B14F-4D97-AF65-F5344CB8AC3E}">
+        <p14:creationId xmlns:p14="http://schemas.microsoft.com/office/powerpoint/2010/main" val="266651846"/>
+      </p:ext>
+    </p:extLst>
+  </p:cSld>
+  <p:clrMapOvr>
+    <a:masterClrMapping/>
+  </p:clrMapOvr>
+</p:sld>
+</file>
+
+<file path=ppt/slides/slide40.xml><?xml version="1.0" encoding="utf-8"?>
 <p:sld xmlns:a="http://schemas.openxmlformats.org/drawingml/2006/main" xmlns:r="http://schemas.openxmlformats.org/officeDocument/2006/relationships" xmlns:p="http://schemas.openxmlformats.org/presentationml/2006/main">
   <p:cSld>
     <p:spTree>
@@ -15295,8 +16603,8 @@
           </a:p>
         </p:txBody>
       </p:sp>
-      <mc:AlternateContent xmlns:mc="http://schemas.openxmlformats.org/markup-compatibility/2006">
-        <mc:Choice xmlns:a14="http://schemas.microsoft.com/office/drawing/2010/main" Requires="a14">
+      <mc:AlternateContent xmlns:mc="http://schemas.openxmlformats.org/markup-compatibility/2006" xmlns:a14="http://schemas.microsoft.com/office/drawing/2010/main">
+        <mc:Choice Requires="a14">
           <p:sp>
             <p:nvSpPr>
               <p:cNvPr id="3" name="Content Placeholder 2">
@@ -16182,16 +17490,7 @@
                             </a:solidFill>
                             <a:latin typeface="Cambria Math" panose="02040503050406030204" pitchFamily="18" charset="0"/>
                           </a:rPr>
-                          <m:t>𝑚</m:t>
-                        </m:r>
-                        <m:r>
-                          <a:rPr lang="en-US" i="1">
-                            <a:solidFill>
-                              <a:schemeClr val="tx2"/>
-                            </a:solidFill>
-                            <a:latin typeface="Cambria Math" panose="02040503050406030204" pitchFamily="18" charset="0"/>
-                          </a:rPr>
-                          <m:t>𝑡</m:t>
+                          <m:t>𝑚𝑡</m:t>
                         </m:r>
                       </m:e>
                       <m:sub>
@@ -16536,7 +17835,7 @@
             </p:txBody>
           </p:sp>
         </mc:Choice>
-        <mc:Fallback>
+        <mc:Fallback xmlns="">
           <p:sp>
             <p:nvSpPr>
               <p:cNvPr id="3" name="Content Placeholder 2">
@@ -16589,7 +17888,7 @@
 </p:sld>
 </file>
 
-<file path=ppt/slides/slide39.xml><?xml version="1.0" encoding="utf-8"?>
+<file path=ppt/slides/slide41.xml><?xml version="1.0" encoding="utf-8"?>
 <p:sld xmlns:a="http://schemas.openxmlformats.org/drawingml/2006/main" xmlns:r="http://schemas.openxmlformats.org/officeDocument/2006/relationships" xmlns:p="http://schemas.openxmlformats.org/presentationml/2006/main">
   <p:cSld>
     <p:spTree>
@@ -16638,8 +17937,8 @@
           </a:p>
         </p:txBody>
       </p:sp>
-      <mc:AlternateContent xmlns:mc="http://schemas.openxmlformats.org/markup-compatibility/2006">
-        <mc:Choice xmlns:a14="http://schemas.microsoft.com/office/drawing/2010/main" Requires="a14">
+      <mc:AlternateContent xmlns:mc="http://schemas.openxmlformats.org/markup-compatibility/2006" xmlns:a14="http://schemas.microsoft.com/office/drawing/2010/main">
+        <mc:Choice Requires="a14">
           <p:sp>
             <p:nvSpPr>
               <p:cNvPr id="3" name="Content Placeholder 2">
@@ -17593,7 +18892,7 @@
             </p:txBody>
           </p:sp>
         </mc:Choice>
-        <mc:Fallback>
+        <mc:Fallback xmlns="">
           <p:sp>
             <p:nvSpPr>
               <p:cNvPr id="3" name="Content Placeholder 2">
@@ -17646,381 +18945,7 @@
 </p:sld>
 </file>
 
-<file path=ppt/slides/slide4.xml><?xml version="1.0" encoding="utf-8"?>
-<p:sld xmlns:a="http://schemas.openxmlformats.org/drawingml/2006/main" xmlns:r="http://schemas.openxmlformats.org/officeDocument/2006/relationships" xmlns:p="http://schemas.openxmlformats.org/presentationml/2006/main">
-  <p:cSld>
-    <p:spTree>
-      <p:nvGrpSpPr>
-        <p:cNvPr id="1" name=""/>
-        <p:cNvGrpSpPr/>
-        <p:nvPr/>
-      </p:nvGrpSpPr>
-      <p:grpSpPr>
-        <a:xfrm>
-          <a:off x="0" y="0"/>
-          <a:ext cx="0" cy="0"/>
-          <a:chOff x="0" y="0"/>
-          <a:chExt cx="0" cy="0"/>
-        </a:xfrm>
-      </p:grpSpPr>
-      <p:sp>
-        <p:nvSpPr>
-          <p:cNvPr id="2" name="Title 1">
-            <a:extLst>
-              <a:ext uri="{FF2B5EF4-FFF2-40B4-BE49-F238E27FC236}">
-                <a16:creationId xmlns:a16="http://schemas.microsoft.com/office/drawing/2014/main" id="{D1BA40ED-6B7C-476C-B149-24F6186717C8}"/>
-              </a:ext>
-            </a:extLst>
-          </p:cNvPr>
-          <p:cNvSpPr>
-            <a:spLocks noGrp="1"/>
-          </p:cNvSpPr>
-          <p:nvPr>
-            <p:ph type="title"/>
-          </p:nvPr>
-        </p:nvSpPr>
-        <p:spPr/>
-        <p:txBody>
-          <a:bodyPr/>
-          <a:lstStyle/>
-          <a:p>
-            <a:r>
-              <a:rPr lang="en-US" dirty="0">
-                <a:solidFill>
-                  <a:schemeClr val="accent1"/>
-                </a:solidFill>
-              </a:rPr>
-              <a:t>Bus-Based Network</a:t>
-            </a:r>
-          </a:p>
-        </p:txBody>
-      </p:sp>
-      <mc:AlternateContent xmlns:mc="http://schemas.openxmlformats.org/markup-compatibility/2006" xmlns:a14="http://schemas.microsoft.com/office/drawing/2010/main">
-        <mc:Choice Requires="a14">
-          <p:sp>
-            <p:nvSpPr>
-              <p:cNvPr id="3" name="Content Placeholder 2">
-                <a:extLst>
-                  <a:ext uri="{FF2B5EF4-FFF2-40B4-BE49-F238E27FC236}">
-                    <a16:creationId xmlns:a16="http://schemas.microsoft.com/office/drawing/2014/main" id="{6EE1E063-375C-4982-BA3B-E4F7B77EA9CA}"/>
-                  </a:ext>
-                </a:extLst>
-              </p:cNvPr>
-              <p:cNvSpPr>
-                <a:spLocks noGrp="1"/>
-              </p:cNvSpPr>
-              <p:nvPr>
-                <p:ph idx="1"/>
-              </p:nvPr>
-            </p:nvSpPr>
-            <p:spPr/>
-            <p:txBody>
-              <a:bodyPr>
-                <a:normAutofit/>
-              </a:bodyPr>
-              <a:lstStyle/>
-              <a:p>
-                <a:pPr marL="0" indent="0">
-                  <a:buNone/>
-                </a:pPr>
-                <a:r>
-                  <a:rPr lang="en-US" b="1" i="1" u="sng" dirty="0">
-                    <a:solidFill>
-                      <a:srgbClr val="FF0000"/>
-                    </a:solidFill>
-                  </a:rPr>
-                  <a:t>Advantages</a:t>
-                </a:r>
-                <a:r>
-                  <a:rPr lang="en-US" b="1" i="1" dirty="0">
-                    <a:solidFill>
-                      <a:srgbClr val="FF0000"/>
-                    </a:solidFill>
-                  </a:rPr>
-                  <a:t>:</a:t>
-                </a:r>
-                <a:endParaRPr lang="en-US" dirty="0">
-                  <a:solidFill>
-                    <a:schemeClr val="accent1"/>
-                  </a:solidFill>
-                </a:endParaRPr>
-              </a:p>
-              <a:p>
-                <a:pPr lvl="1"/>
-                <a:r>
-                  <a:rPr lang="en-US" dirty="0">
-                    <a:solidFill>
-                      <a:schemeClr val="accent1"/>
-                    </a:solidFill>
-                  </a:rPr>
-                  <a:t>Cost scales linearly with the number of nodes </a:t>
-                </a:r>
-                <a14:m>
-                  <m:oMath xmlns:m="http://schemas.openxmlformats.org/officeDocument/2006/math">
-                    <m:r>
-                      <a:rPr lang="en-US" b="0" i="1" smtClean="0">
-                        <a:solidFill>
-                          <a:schemeClr val="tx1"/>
-                        </a:solidFill>
-                        <a:latin typeface="Cambria Math" panose="02040503050406030204" pitchFamily="18" charset="0"/>
-                      </a:rPr>
-                      <m:t>𝑝</m:t>
-                    </m:r>
-                  </m:oMath>
-                </a14:m>
-                <a:r>
-                  <a:rPr lang="en-US" dirty="0">
-                    <a:solidFill>
-                      <a:schemeClr val="accent1"/>
-                    </a:solidFill>
-                  </a:rPr>
-                  <a:t>: </a:t>
-                </a:r>
-                <a14:m>
-                  <m:oMath xmlns:m="http://schemas.openxmlformats.org/officeDocument/2006/math">
-                    <m:r>
-                      <m:rPr>
-                        <m:sty m:val="p"/>
-                      </m:rPr>
-                      <a:rPr lang="en-US" b="0" i="0" smtClean="0">
-                        <a:latin typeface="Cambria Math" panose="02040503050406030204" pitchFamily="18" charset="0"/>
-                      </a:rPr>
-                      <m:t>O</m:t>
-                    </m:r>
-                    <m:r>
-                      <a:rPr lang="en-US" b="0" i="0" smtClean="0">
-                        <a:latin typeface="Cambria Math" panose="02040503050406030204" pitchFamily="18" charset="0"/>
-                      </a:rPr>
-                      <m:t>(</m:t>
-                    </m:r>
-                    <m:r>
-                      <a:rPr lang="en-US" i="1">
-                        <a:latin typeface="Cambria Math" panose="02040503050406030204" pitchFamily="18" charset="0"/>
-                      </a:rPr>
-                      <m:t>𝑝</m:t>
-                    </m:r>
-                    <m:r>
-                      <a:rPr lang="en-US" b="0" i="1" smtClean="0">
-                        <a:latin typeface="Cambria Math" panose="02040503050406030204" pitchFamily="18" charset="0"/>
-                      </a:rPr>
-                      <m:t>)</m:t>
-                    </m:r>
-                  </m:oMath>
-                </a14:m>
-                <a:r>
-                  <a:rPr lang="en-US" dirty="0">
-                    <a:solidFill>
-                      <a:schemeClr val="accent1"/>
-                    </a:solidFill>
-                  </a:rPr>
-                  <a:t>.</a:t>
-                </a:r>
-              </a:p>
-              <a:p>
-                <a:pPr lvl="1"/>
-                <a:r>
-                  <a:rPr lang="en-US" dirty="0">
-                    <a:solidFill>
-                      <a:schemeClr val="accent1"/>
-                    </a:solidFill>
-                  </a:rPr>
-                  <a:t>Distance between any two node is </a:t>
-                </a:r>
-                <a14:m>
-                  <m:oMath xmlns:m="http://schemas.openxmlformats.org/officeDocument/2006/math">
-                    <m:r>
-                      <a:rPr lang="en-US" b="0" i="1" smtClean="0">
-                        <a:solidFill>
-                          <a:schemeClr val="tx1"/>
-                        </a:solidFill>
-                        <a:latin typeface="Cambria Math" panose="02040503050406030204" pitchFamily="18" charset="0"/>
-                      </a:rPr>
-                      <m:t>𝑂</m:t>
-                    </m:r>
-                    <m:r>
-                      <a:rPr lang="en-US" b="0" i="1" smtClean="0">
-                        <a:solidFill>
-                          <a:schemeClr val="tx1"/>
-                        </a:solidFill>
-                        <a:latin typeface="Cambria Math" panose="02040503050406030204" pitchFamily="18" charset="0"/>
-                      </a:rPr>
-                      <m:t>(1)</m:t>
-                    </m:r>
-                  </m:oMath>
-                </a14:m>
-                <a:r>
-                  <a:rPr lang="en-US" dirty="0">
-                    <a:solidFill>
-                      <a:schemeClr val="accent1"/>
-                    </a:solidFill>
-                  </a:rPr>
-                  <a:t>.</a:t>
-                </a:r>
-              </a:p>
-              <a:p>
-                <a:pPr lvl="1"/>
-                <a:r>
-                  <a:rPr lang="en-US" dirty="0">
-                    <a:solidFill>
-                      <a:schemeClr val="accent1"/>
-                    </a:solidFill>
-                  </a:rPr>
-                  <a:t>A bus-based machine is ideal for broadcasting information among nodes.</a:t>
-                </a:r>
-              </a:p>
-              <a:p>
-                <a:pPr marL="457200" lvl="1" indent="0">
-                  <a:buNone/>
-                </a:pPr>
-                <a:endParaRPr lang="en-US" dirty="0">
-                  <a:solidFill>
-                    <a:schemeClr val="tx1"/>
-                  </a:solidFill>
-                </a:endParaRPr>
-              </a:p>
-              <a:p>
-                <a:pPr marL="0" indent="0">
-                  <a:buNone/>
-                </a:pPr>
-                <a:r>
-                  <a:rPr lang="en-US" b="1" i="1" u="sng" dirty="0">
-                    <a:solidFill>
-                      <a:srgbClr val="FF0000"/>
-                    </a:solidFill>
-                  </a:rPr>
-                  <a:t>Disadvantages</a:t>
-                </a:r>
-                <a:r>
-                  <a:rPr lang="en-US" b="1" i="1" dirty="0">
-                    <a:solidFill>
-                      <a:srgbClr val="FF0000"/>
-                    </a:solidFill>
-                  </a:rPr>
-                  <a:t>:</a:t>
-                </a:r>
-              </a:p>
-              <a:p>
-                <a:pPr lvl="1"/>
-                <a:r>
-                  <a:rPr lang="en-US" dirty="0">
-                    <a:solidFill>
-                      <a:schemeClr val="accent1"/>
-                    </a:solidFill>
-                  </a:rPr>
-                  <a:t>Performance does not scale well as </a:t>
-                </a:r>
-                <a14:m>
-                  <m:oMath xmlns:m="http://schemas.openxmlformats.org/officeDocument/2006/math">
-                    <m:r>
-                      <a:rPr lang="en-US" b="0" i="1" smtClean="0">
-                        <a:solidFill>
-                          <a:schemeClr val="tx1"/>
-                        </a:solidFill>
-                        <a:latin typeface="Cambria Math" panose="02040503050406030204" pitchFamily="18" charset="0"/>
-                      </a:rPr>
-                      <m:t>𝑝</m:t>
-                    </m:r>
-                    <m:r>
-                      <a:rPr lang="en-US" b="0" i="1" smtClean="0">
-                        <a:solidFill>
-                          <a:schemeClr val="tx1"/>
-                        </a:solidFill>
-                        <a:latin typeface="Cambria Math" panose="02040503050406030204" pitchFamily="18" charset="0"/>
-                      </a:rPr>
-                      <m:t> </m:t>
-                    </m:r>
-                  </m:oMath>
-                </a14:m>
-                <a:r>
-                  <a:rPr lang="en-US" dirty="0">
-                    <a:solidFill>
-                      <a:schemeClr val="accent1"/>
-                    </a:solidFill>
-                  </a:rPr>
-                  <a:t>increases as a result of contention for the shared medium.</a:t>
-                </a:r>
-              </a:p>
-              <a:p>
-                <a:pPr lvl="1"/>
-                <a:r>
-                  <a:rPr lang="en-US" dirty="0">
-                    <a:solidFill>
-                      <a:schemeClr val="accent1"/>
-                    </a:solidFill>
-                  </a:rPr>
-                  <a:t>Therefore, a bus-based machine is only limited to a few dozen of nodes.</a:t>
-                </a:r>
-              </a:p>
-              <a:p>
-                <a:pPr marL="0" indent="0">
-                  <a:buNone/>
-                </a:pPr>
-                <a:r>
-                  <a:rPr lang="en-US" dirty="0">
-                    <a:solidFill>
-                      <a:schemeClr val="accent1"/>
-                    </a:solidFill>
-                  </a:rPr>
-                  <a:t>	</a:t>
-                </a:r>
-              </a:p>
-            </p:txBody>
-          </p:sp>
-        </mc:Choice>
-        <mc:Fallback xmlns="">
-          <p:sp>
-            <p:nvSpPr>
-              <p:cNvPr id="3" name="Content Placeholder 2">
-                <a:extLst>
-                  <a:ext uri="{FF2B5EF4-FFF2-40B4-BE49-F238E27FC236}">
-                    <a16:creationId xmlns:a16="http://schemas.microsoft.com/office/drawing/2014/main" id="{6EE1E063-375C-4982-BA3B-E4F7B77EA9CA}"/>
-                  </a:ext>
-                </a:extLst>
-              </p:cNvPr>
-              <p:cNvSpPr>
-                <a:spLocks noGrp="1" noRot="1" noChangeAspect="1" noMove="1" noResize="1" noEditPoints="1" noAdjustHandles="1" noChangeArrowheads="1" noChangeShapeType="1" noTextEdit="1"/>
-              </p:cNvSpPr>
-              <p:nvPr>
-                <p:ph idx="1"/>
-              </p:nvPr>
-            </p:nvSpPr>
-            <p:spPr>
-              <a:blipFill>
-                <a:blip r:embed="rId2"/>
-                <a:stretch>
-                  <a:fillRect l="-1217" t="-2241"/>
-                </a:stretch>
-              </a:blipFill>
-            </p:spPr>
-            <p:txBody>
-              <a:bodyPr/>
-              <a:lstStyle/>
-              <a:p>
-                <a:r>
-                  <a:rPr lang="en-US">
-                    <a:noFill/>
-                  </a:rPr>
-                  <a:t> </a:t>
-                </a:r>
-              </a:p>
-            </p:txBody>
-          </p:sp>
-        </mc:Fallback>
-      </mc:AlternateContent>
-    </p:spTree>
-    <p:extLst>
-      <p:ext uri="{BB962C8B-B14F-4D97-AF65-F5344CB8AC3E}">
-        <p14:creationId xmlns:p14="http://schemas.microsoft.com/office/powerpoint/2010/main" val="266651846"/>
-      </p:ext>
-    </p:extLst>
-  </p:cSld>
-  <p:clrMapOvr>
-    <a:masterClrMapping/>
-  </p:clrMapOvr>
-</p:sld>
-</file>
-
-<file path=ppt/slides/slide40.xml><?xml version="1.0" encoding="utf-8"?>
+<file path=ppt/slides/slide42.xml><?xml version="1.0" encoding="utf-8"?>
 <p:sld xmlns:a="http://schemas.openxmlformats.org/drawingml/2006/main" xmlns:r="http://schemas.openxmlformats.org/officeDocument/2006/relationships" xmlns:p="http://schemas.openxmlformats.org/presentationml/2006/main">
   <p:cSld>
     <p:spTree>
@@ -18069,8 +18994,8 @@
           </a:p>
         </p:txBody>
       </p:sp>
-      <mc:AlternateContent xmlns:mc="http://schemas.openxmlformats.org/markup-compatibility/2006">
-        <mc:Choice xmlns:a14="http://schemas.microsoft.com/office/drawing/2010/main" Requires="a14">
+      <mc:AlternateContent xmlns:mc="http://schemas.openxmlformats.org/markup-compatibility/2006" xmlns:a14="http://schemas.microsoft.com/office/drawing/2010/main">
+        <mc:Choice Requires="a14">
           <p:sp>
             <p:nvSpPr>
               <p:cNvPr id="3" name="Content Placeholder 2">
@@ -18648,7 +19573,7 @@
             </p:txBody>
           </p:sp>
         </mc:Choice>
-        <mc:Fallback>
+        <mc:Fallback xmlns="">
           <p:sp>
             <p:nvSpPr>
               <p:cNvPr id="3" name="Content Placeholder 2">
@@ -18701,7 +19626,7 @@
 </p:sld>
 </file>
 
-<file path=ppt/slides/slide41.xml><?xml version="1.0" encoding="utf-8"?>
+<file path=ppt/slides/slide43.xml><?xml version="1.0" encoding="utf-8"?>
 <p:sld xmlns:a="http://schemas.openxmlformats.org/drawingml/2006/main" xmlns:r="http://schemas.openxmlformats.org/officeDocument/2006/relationships" xmlns:p="http://schemas.openxmlformats.org/presentationml/2006/main">
   <p:cSld>
     <p:spTree>
@@ -18750,8 +19675,8 @@
           </a:p>
         </p:txBody>
       </p:sp>
-      <mc:AlternateContent xmlns:mc="http://schemas.openxmlformats.org/markup-compatibility/2006">
-        <mc:Choice xmlns:a14="http://schemas.microsoft.com/office/drawing/2010/main" Requires="a14">
+      <mc:AlternateContent xmlns:mc="http://schemas.openxmlformats.org/markup-compatibility/2006" xmlns:a14="http://schemas.microsoft.com/office/drawing/2010/main">
+        <mc:Choice Requires="a14">
           <p:sp>
             <p:nvSpPr>
               <p:cNvPr id="3" name="Content Placeholder 2">
@@ -19236,7 +20161,7 @@
             </p:txBody>
           </p:sp>
         </mc:Choice>
-        <mc:Fallback>
+        <mc:Fallback xmlns="">
           <p:sp>
             <p:nvSpPr>
               <p:cNvPr id="3" name="Content Placeholder 2">
@@ -19289,7 +20214,7 @@
 </p:sld>
 </file>
 
-<file path=ppt/slides/slide42.xml><?xml version="1.0" encoding="utf-8"?>
+<file path=ppt/slides/slide44.xml><?xml version="1.0" encoding="utf-8"?>
 <p:sld xmlns:a="http://schemas.openxmlformats.org/drawingml/2006/main" xmlns:r="http://schemas.openxmlformats.org/officeDocument/2006/relationships" xmlns:p="http://schemas.openxmlformats.org/presentationml/2006/main">
   <p:cSld>
     <p:spTree>
@@ -19338,8 +20263,8 @@
           </a:p>
         </p:txBody>
       </p:sp>
-      <mc:AlternateContent xmlns:mc="http://schemas.openxmlformats.org/markup-compatibility/2006">
-        <mc:Choice xmlns:a14="http://schemas.microsoft.com/office/drawing/2010/main" Requires="a14">
+      <mc:AlternateContent xmlns:mc="http://schemas.openxmlformats.org/markup-compatibility/2006" xmlns:a14="http://schemas.microsoft.com/office/drawing/2010/main">
+        <mc:Choice Requires="a14">
           <p:sp>
             <p:nvSpPr>
               <p:cNvPr id="3" name="Content Placeholder 2">
@@ -19677,7 +20602,7 @@
             </p:txBody>
           </p:sp>
         </mc:Choice>
-        <mc:Fallback>
+        <mc:Fallback xmlns="">
           <p:sp>
             <p:nvSpPr>
               <p:cNvPr id="3" name="Content Placeholder 2">

--- a/Slides/Lecture 2.pptx
+++ b/Slides/Lecture 2.pptx
@@ -5,7 +5,7 @@
     <p:sldMasterId id="2147483648" r:id="rId1"/>
   </p:sldMasterIdLst>
   <p:notesMasterIdLst>
-    <p:notesMasterId r:id="rId46"/>
+    <p:notesMasterId r:id="rId47"/>
   </p:notesMasterIdLst>
   <p:sldIdLst>
     <p:sldId id="256" r:id="rId2"/>
@@ -52,6 +52,7 @@
     <p:sldId id="345" r:id="rId43"/>
     <p:sldId id="346" r:id="rId44"/>
     <p:sldId id="347" r:id="rId45"/>
+    <p:sldId id="351" r:id="rId46"/>
   </p:sldIdLst>
   <p:sldSz cx="12192000" cy="6858000"/>
   <p:notesSz cx="6858000" cy="9144000"/>
@@ -252,7 +253,7 @@
           <a:p>
             <a:fld id="{1CB48AD5-CDAE-4B7B-B49D-6DB81FF5A179}" type="datetimeFigureOut">
               <a:rPr lang="en-US" smtClean="0"/>
-              <a:t>1/22/2021</a:t>
+              <a:t>2/16/2021</a:t>
             </a:fld>
             <a:endParaRPr lang="en-US"/>
           </a:p>
@@ -666,7 +667,7 @@
           <a:p>
             <a:fld id="{C4959B56-7D6D-462F-B061-93C9E323EE8A}" type="datetimeFigureOut">
               <a:rPr lang="en-US" smtClean="0"/>
-              <a:t>1/22/2021</a:t>
+              <a:t>2/16/2021</a:t>
             </a:fld>
             <a:endParaRPr lang="en-US"/>
           </a:p>
@@ -864,7 +865,7 @@
           <a:p>
             <a:fld id="{C4959B56-7D6D-462F-B061-93C9E323EE8A}" type="datetimeFigureOut">
               <a:rPr lang="en-US" smtClean="0"/>
-              <a:t>1/22/2021</a:t>
+              <a:t>2/16/2021</a:t>
             </a:fld>
             <a:endParaRPr lang="en-US"/>
           </a:p>
@@ -1072,7 +1073,7 @@
           <a:p>
             <a:fld id="{C4959B56-7D6D-462F-B061-93C9E323EE8A}" type="datetimeFigureOut">
               <a:rPr lang="en-US" smtClean="0"/>
-              <a:t>1/22/2021</a:t>
+              <a:t>2/16/2021</a:t>
             </a:fld>
             <a:endParaRPr lang="en-US"/>
           </a:p>
@@ -1270,7 +1271,7 @@
           <a:p>
             <a:fld id="{C4959B56-7D6D-462F-B061-93C9E323EE8A}" type="datetimeFigureOut">
               <a:rPr lang="en-US" smtClean="0"/>
-              <a:t>1/22/2021</a:t>
+              <a:t>2/16/2021</a:t>
             </a:fld>
             <a:endParaRPr lang="en-US"/>
           </a:p>
@@ -1545,7 +1546,7 @@
           <a:p>
             <a:fld id="{C4959B56-7D6D-462F-B061-93C9E323EE8A}" type="datetimeFigureOut">
               <a:rPr lang="en-US" smtClean="0"/>
-              <a:t>1/22/2021</a:t>
+              <a:t>2/16/2021</a:t>
             </a:fld>
             <a:endParaRPr lang="en-US"/>
           </a:p>
@@ -1810,7 +1811,7 @@
           <a:p>
             <a:fld id="{C4959B56-7D6D-462F-B061-93C9E323EE8A}" type="datetimeFigureOut">
               <a:rPr lang="en-US" smtClean="0"/>
-              <a:t>1/22/2021</a:t>
+              <a:t>2/16/2021</a:t>
             </a:fld>
             <a:endParaRPr lang="en-US"/>
           </a:p>
@@ -2222,7 +2223,7 @@
           <a:p>
             <a:fld id="{C4959B56-7D6D-462F-B061-93C9E323EE8A}" type="datetimeFigureOut">
               <a:rPr lang="en-US" smtClean="0"/>
-              <a:t>1/22/2021</a:t>
+              <a:t>2/16/2021</a:t>
             </a:fld>
             <a:endParaRPr lang="en-US"/>
           </a:p>
@@ -2363,7 +2364,7 @@
           <a:p>
             <a:fld id="{C4959B56-7D6D-462F-B061-93C9E323EE8A}" type="datetimeFigureOut">
               <a:rPr lang="en-US" smtClean="0"/>
-              <a:t>1/22/2021</a:t>
+              <a:t>2/16/2021</a:t>
             </a:fld>
             <a:endParaRPr lang="en-US"/>
           </a:p>
@@ -2476,7 +2477,7 @@
           <a:p>
             <a:fld id="{C4959B56-7D6D-462F-B061-93C9E323EE8A}" type="datetimeFigureOut">
               <a:rPr lang="en-US" smtClean="0"/>
-              <a:t>1/22/2021</a:t>
+              <a:t>2/16/2021</a:t>
             </a:fld>
             <a:endParaRPr lang="en-US"/>
           </a:p>
@@ -2787,7 +2788,7 @@
           <a:p>
             <a:fld id="{C4959B56-7D6D-462F-B061-93C9E323EE8A}" type="datetimeFigureOut">
               <a:rPr lang="en-US" smtClean="0"/>
-              <a:t>1/22/2021</a:t>
+              <a:t>2/16/2021</a:t>
             </a:fld>
             <a:endParaRPr lang="en-US"/>
           </a:p>
@@ -3075,7 +3076,7 @@
           <a:p>
             <a:fld id="{C4959B56-7D6D-462F-B061-93C9E323EE8A}" type="datetimeFigureOut">
               <a:rPr lang="en-US" smtClean="0"/>
-              <a:t>1/22/2021</a:t>
+              <a:t>2/16/2021</a:t>
             </a:fld>
             <a:endParaRPr lang="en-US"/>
           </a:p>
@@ -3316,7 +3317,7 @@
           <a:p>
             <a:fld id="{C4959B56-7D6D-462F-B061-93C9E323EE8A}" type="datetimeFigureOut">
               <a:rPr lang="en-US" smtClean="0"/>
-              <a:t>1/22/2021</a:t>
+              <a:t>2/16/2021</a:t>
             </a:fld>
             <a:endParaRPr lang="en-US"/>
           </a:p>
@@ -10211,6 +10212,12 @@
                         <a:latin typeface="Cambria Math" panose="02040503050406030204" pitchFamily="18" charset="0"/>
                       </a:rPr>
                       <m:t> </m:t>
+                    </m:r>
+                    <m:r>
+                      <a:rPr lang="en-US" b="0" i="1" smtClean="0">
+                        <a:latin typeface="Cambria Math" panose="02040503050406030204" pitchFamily="18" charset="0"/>
+                      </a:rPr>
+                      <m:t>2</m:t>
                     </m:r>
                     <m:rad>
                       <m:radPr>
@@ -20646,6 +20653,169 @@
     <p:extLst>
       <p:ext uri="{BB962C8B-B14F-4D97-AF65-F5344CB8AC3E}">
         <p14:creationId xmlns:p14="http://schemas.microsoft.com/office/powerpoint/2010/main" val="2274839053"/>
+      </p:ext>
+    </p:extLst>
+  </p:cSld>
+  <p:clrMapOvr>
+    <a:masterClrMapping/>
+  </p:clrMapOvr>
+</p:sld>
+</file>
+
+<file path=ppt/slides/slide45.xml><?xml version="1.0" encoding="utf-8"?>
+<p:sld xmlns:a="http://schemas.openxmlformats.org/drawingml/2006/main" xmlns:r="http://schemas.openxmlformats.org/officeDocument/2006/relationships" xmlns:p="http://schemas.openxmlformats.org/presentationml/2006/main">
+  <p:cSld>
+    <p:spTree>
+      <p:nvGrpSpPr>
+        <p:cNvPr id="1" name=""/>
+        <p:cNvGrpSpPr/>
+        <p:nvPr/>
+      </p:nvGrpSpPr>
+      <p:grpSpPr>
+        <a:xfrm>
+          <a:off x="0" y="0"/>
+          <a:ext cx="0" cy="0"/>
+          <a:chOff x="0" y="0"/>
+          <a:chExt cx="0" cy="0"/>
+        </a:xfrm>
+      </p:grpSpPr>
+      <p:sp>
+        <p:nvSpPr>
+          <p:cNvPr id="2" name="Title 1">
+            <a:extLst>
+              <a:ext uri="{FF2B5EF4-FFF2-40B4-BE49-F238E27FC236}">
+                <a16:creationId xmlns:a16="http://schemas.microsoft.com/office/drawing/2014/main" id="{84AD2909-2C7B-495E-80BF-DF93BFD0E539}"/>
+              </a:ext>
+            </a:extLst>
+          </p:cNvPr>
+          <p:cNvSpPr>
+            <a:spLocks noGrp="1"/>
+          </p:cNvSpPr>
+          <p:nvPr>
+            <p:ph type="title"/>
+          </p:nvPr>
+        </p:nvSpPr>
+        <p:spPr/>
+        <p:txBody>
+          <a:bodyPr/>
+          <a:lstStyle/>
+          <a:p>
+            <a:r>
+              <a:rPr lang="en-US" dirty="0">
+                <a:solidFill>
+                  <a:schemeClr val="accent1"/>
+                </a:solidFill>
+              </a:rPr>
+              <a:t>References</a:t>
+            </a:r>
+          </a:p>
+        </p:txBody>
+      </p:sp>
+      <p:sp>
+        <p:nvSpPr>
+          <p:cNvPr id="3" name="Content Placeholder 2">
+            <a:extLst>
+              <a:ext uri="{FF2B5EF4-FFF2-40B4-BE49-F238E27FC236}">
+                <a16:creationId xmlns:a16="http://schemas.microsoft.com/office/drawing/2014/main" id="{BBBB7C2C-C076-4F0F-8C28-834B5900A5BA}"/>
+              </a:ext>
+            </a:extLst>
+          </p:cNvPr>
+          <p:cNvSpPr>
+            <a:spLocks noGrp="1"/>
+          </p:cNvSpPr>
+          <p:nvPr>
+            <p:ph idx="1"/>
+          </p:nvPr>
+        </p:nvSpPr>
+        <p:spPr/>
+        <p:txBody>
+          <a:bodyPr/>
+          <a:lstStyle/>
+          <a:p>
+            <a:pPr marL="0" indent="0">
+              <a:buNone/>
+            </a:pPr>
+            <a:r>
+              <a:rPr lang="en-US" b="1" dirty="0">
+                <a:solidFill>
+                  <a:srgbClr val="FF0000"/>
+                </a:solidFill>
+                <a:effectLst/>
+              </a:rPr>
+              <a:t>[1] </a:t>
+            </a:r>
+            <a:r>
+              <a:rPr lang="en-US" b="0" dirty="0">
+                <a:solidFill>
+                  <a:schemeClr val="accent1"/>
+                </a:solidFill>
+                <a:effectLst/>
+              </a:rPr>
+              <a:t>Michael J. Quinn. 2003. Parallel Programming in C with MPI and OpenMP. McGraw-Hill Education Group.</a:t>
+            </a:r>
+          </a:p>
+          <a:p>
+            <a:pPr marL="0" indent="0">
+              <a:buNone/>
+            </a:pPr>
+            <a:endParaRPr lang="en-US" dirty="0">
+              <a:solidFill>
+                <a:schemeClr val="accent1"/>
+              </a:solidFill>
+            </a:endParaRPr>
+          </a:p>
+          <a:p>
+            <a:pPr marL="0" indent="0">
+              <a:buNone/>
+            </a:pPr>
+            <a:r>
+              <a:rPr lang="en-US" b="1" dirty="0">
+                <a:solidFill>
+                  <a:srgbClr val="FF0000"/>
+                </a:solidFill>
+                <a:effectLst/>
+              </a:rPr>
+              <a:t>[2] </a:t>
+            </a:r>
+            <a:r>
+              <a:rPr lang="en-US" b="0" dirty="0">
+                <a:solidFill>
+                  <a:schemeClr val="accent1"/>
+                </a:solidFill>
+                <a:effectLst/>
+              </a:rPr>
+              <a:t>Vipin Kumar, Ananth Grama, Anshul Gupta, and George </a:t>
+            </a:r>
+            <a:r>
+              <a:rPr lang="en-US" b="0" dirty="0" err="1">
+                <a:solidFill>
+                  <a:schemeClr val="accent1"/>
+                </a:solidFill>
+                <a:effectLst/>
+              </a:rPr>
+              <a:t>Karypis</a:t>
+            </a:r>
+            <a:r>
+              <a:rPr lang="en-US" b="0" dirty="0">
+                <a:solidFill>
+                  <a:schemeClr val="accent1"/>
+                </a:solidFill>
+                <a:effectLst/>
+              </a:rPr>
+              <a:t>. 1994. Introduction to parallel computing: design and analysis of algorithms. Benjamin-Cummings Publishing Co., Inc., USA.</a:t>
+            </a:r>
+            <a:endParaRPr lang="en-US" dirty="0">
+              <a:solidFill>
+                <a:schemeClr val="accent1"/>
+              </a:solidFill>
+            </a:endParaRPr>
+          </a:p>
+        </p:txBody>
+      </p:sp>
+    </p:spTree>
+    <p:extLst>
+      <p:ext uri="{BB962C8B-B14F-4D97-AF65-F5344CB8AC3E}">
+        <p14:creationId xmlns:p14="http://schemas.microsoft.com/office/powerpoint/2010/main" val="2793023778"/>
       </p:ext>
     </p:extLst>
   </p:cSld>

--- a/Slides/Lecture 2.pptx
+++ b/Slides/Lecture 2.pptx
@@ -19001,8 +19001,8 @@
           </a:p>
         </p:txBody>
       </p:sp>
-      <mc:AlternateContent xmlns:mc="http://schemas.openxmlformats.org/markup-compatibility/2006" xmlns:a14="http://schemas.microsoft.com/office/drawing/2010/main">
-        <mc:Choice Requires="a14">
+      <mc:AlternateContent xmlns:mc="http://schemas.openxmlformats.org/markup-compatibility/2006">
+        <mc:Choice xmlns:a14="http://schemas.microsoft.com/office/drawing/2010/main" Requires="a14">
           <p:sp>
             <p:nvSpPr>
               <p:cNvPr id="3" name="Content Placeholder 2">
@@ -19367,7 +19367,23 @@
                       <a:schemeClr val="accent1"/>
                     </a:solidFill>
                   </a:rPr>
-                  <a:t> is much smaller than </a:t>
+                  <a:t> is </a:t>
+                </a:r>
+                <a:r>
+                  <a:rPr lang="en-US" b="1" i="1" dirty="0">
+                    <a:solidFill>
+                      <a:srgbClr val="FF0000"/>
+                    </a:solidFill>
+                  </a:rPr>
+                  <a:t>much larger </a:t>
+                </a:r>
+                <a:r>
+                  <a:rPr lang="en-US" dirty="0">
+                    <a:solidFill>
+                      <a:schemeClr val="accent1"/>
+                    </a:solidFill>
+                  </a:rPr>
+                  <a:t>than </a:t>
                 </a:r>
                 <a14:m>
                   <m:oMath xmlns:m="http://schemas.openxmlformats.org/officeDocument/2006/math">
@@ -19580,7 +19596,7 @@
             </p:txBody>
           </p:sp>
         </mc:Choice>
-        <mc:Fallback xmlns="">
+        <mc:Fallback>
           <p:sp>
             <p:nvSpPr>
               <p:cNvPr id="3" name="Content Placeholder 2">
